--- a/picture/driver/pcie/x86-driver.pptx.pptx
+++ b/picture/driver/pcie/x86-driver.pptx.pptx
@@ -5,43 +5,44 @@
     <p:sldMasterId id="2147483648" r:id="rId1"/>
   </p:sldMasterIdLst>
   <p:notesMasterIdLst>
-    <p:notesMasterId r:id="rId34"/>
+    <p:notesMasterId r:id="rId35"/>
   </p:notesMasterIdLst>
   <p:handoutMasterIdLst>
-    <p:handoutMasterId r:id="rId35"/>
+    <p:handoutMasterId r:id="rId36"/>
   </p:handoutMasterIdLst>
   <p:sldIdLst>
     <p:sldId id="298" r:id="rId3"/>
     <p:sldId id="276" r:id="rId4"/>
     <p:sldId id="277" r:id="rId5"/>
     <p:sldId id="295" r:id="rId6"/>
-    <p:sldId id="296" r:id="rId7"/>
-    <p:sldId id="297" r:id="rId8"/>
-    <p:sldId id="256" r:id="rId9"/>
-    <p:sldId id="275" r:id="rId10"/>
-    <p:sldId id="278" r:id="rId11"/>
-    <p:sldId id="323" r:id="rId12"/>
-    <p:sldId id="324" r:id="rId13"/>
-    <p:sldId id="325" r:id="rId14"/>
-    <p:sldId id="326" r:id="rId15"/>
-    <p:sldId id="327" r:id="rId16"/>
-    <p:sldId id="328" r:id="rId17"/>
-    <p:sldId id="257" r:id="rId18"/>
-    <p:sldId id="258" r:id="rId19"/>
-    <p:sldId id="259" r:id="rId20"/>
-    <p:sldId id="260" r:id="rId21"/>
-    <p:sldId id="263" r:id="rId22"/>
-    <p:sldId id="264" r:id="rId23"/>
-    <p:sldId id="262" r:id="rId24"/>
-    <p:sldId id="265" r:id="rId25"/>
-    <p:sldId id="261" r:id="rId26"/>
-    <p:sldId id="267" r:id="rId27"/>
-    <p:sldId id="266" r:id="rId28"/>
-    <p:sldId id="268" r:id="rId29"/>
-    <p:sldId id="269" r:id="rId30"/>
-    <p:sldId id="270" r:id="rId31"/>
-    <p:sldId id="271" r:id="rId32"/>
-    <p:sldId id="272" r:id="rId33"/>
+    <p:sldId id="345" r:id="rId7"/>
+    <p:sldId id="296" r:id="rId8"/>
+    <p:sldId id="297" r:id="rId9"/>
+    <p:sldId id="256" r:id="rId10"/>
+    <p:sldId id="275" r:id="rId11"/>
+    <p:sldId id="278" r:id="rId12"/>
+    <p:sldId id="323" r:id="rId13"/>
+    <p:sldId id="324" r:id="rId14"/>
+    <p:sldId id="325" r:id="rId15"/>
+    <p:sldId id="326" r:id="rId16"/>
+    <p:sldId id="327" r:id="rId17"/>
+    <p:sldId id="328" r:id="rId18"/>
+    <p:sldId id="257" r:id="rId19"/>
+    <p:sldId id="258" r:id="rId20"/>
+    <p:sldId id="259" r:id="rId21"/>
+    <p:sldId id="260" r:id="rId22"/>
+    <p:sldId id="263" r:id="rId23"/>
+    <p:sldId id="264" r:id="rId24"/>
+    <p:sldId id="262" r:id="rId25"/>
+    <p:sldId id="265" r:id="rId26"/>
+    <p:sldId id="261" r:id="rId27"/>
+    <p:sldId id="267" r:id="rId28"/>
+    <p:sldId id="266" r:id="rId29"/>
+    <p:sldId id="268" r:id="rId30"/>
+    <p:sldId id="269" r:id="rId31"/>
+    <p:sldId id="270" r:id="rId32"/>
+    <p:sldId id="271" r:id="rId33"/>
+    <p:sldId id="272" r:id="rId34"/>
   </p:sldIdLst>
   <p:sldSz cx="6858000" cy="9903460" type="A4"/>
   <p:notesSz cx="7103745" cy="10234295"/>
@@ -4058,6 +4059,1309 @@
         <p:nvPr/>
       </p:nvGrpSpPr>
       <p:grpSpPr/>
+      <p:sp>
+        <p:nvSpPr>
+          <p:cNvPr id="2" name="矩形 1"/>
+          <p:cNvSpPr/>
+          <p:nvPr/>
+        </p:nvSpPr>
+        <p:spPr>
+          <a:xfrm>
+            <a:off x="3694430" y="1972310"/>
+            <a:ext cx="2496820" cy="897890"/>
+          </a:xfrm>
+          <a:prstGeom prst="rect">
+            <a:avLst/>
+          </a:prstGeom>
+          <a:noFill/>
+          <a:ln w="38100">
+            <a:solidFill>
+              <a:srgbClr val="2C3E50"/>
+            </a:solidFill>
+          </a:ln>
+          <a:extLst>
+            <a:ext uri="{909E8E84-426E-40DD-AFC4-6F175D3DCCD1}">
+              <a14:hiddenFill xmlns:a14="http://schemas.microsoft.com/office/drawing/2010/main">
+                <a:solidFill>
+                  <a:schemeClr val="accent1"/>
+                </a:solidFill>
+              </a14:hiddenFill>
+            </a:ext>
+          </a:extLst>
+        </p:spPr>
+        <p:style>
+          <a:lnRef idx="2">
+            <a:schemeClr val="accent1">
+              <a:shade val="50000"/>
+            </a:schemeClr>
+          </a:lnRef>
+          <a:fillRef idx="1">
+            <a:schemeClr val="accent1"/>
+          </a:fillRef>
+          <a:effectRef idx="0">
+            <a:schemeClr val="accent1"/>
+          </a:effectRef>
+          <a:fontRef idx="minor">
+            <a:schemeClr val="lt1"/>
+          </a:fontRef>
+        </p:style>
+        <p:txBody>
+          <a:bodyPr rtlCol="0" anchor="ctr"/>
+          <a:p>
+            <a:pPr algn="ctr"/>
+            <a:r>
+              <a:rPr lang="en-US" altLang="zh-CN" b="1">
+                <a:solidFill>
+                  <a:srgbClr val="2C3E50"/>
+                </a:solidFill>
+              </a:rPr>
+              <a:t>ASL(ACPI Source Langauge</a:t>
+            </a:r>
+            <a:endParaRPr lang="en-US" altLang="zh-CN" b="1">
+              <a:solidFill>
+                <a:srgbClr val="2C3E50"/>
+              </a:solidFill>
+            </a:endParaRPr>
+          </a:p>
+        </p:txBody>
+      </p:sp>
+      <p:sp>
+        <p:nvSpPr>
+          <p:cNvPr id="3" name="矩形 2"/>
+          <p:cNvSpPr/>
+          <p:nvPr/>
+        </p:nvSpPr>
+        <p:spPr>
+          <a:xfrm>
+            <a:off x="3694430" y="3776345"/>
+            <a:ext cx="2496185" cy="552450"/>
+          </a:xfrm>
+          <a:prstGeom prst="rect">
+            <a:avLst/>
+          </a:prstGeom>
+          <a:noFill/>
+          <a:ln w="38100">
+            <a:solidFill>
+              <a:srgbClr val="2C3E50"/>
+            </a:solidFill>
+          </a:ln>
+          <a:extLst>
+            <a:ext uri="{909E8E84-426E-40DD-AFC4-6F175D3DCCD1}">
+              <a14:hiddenFill xmlns:a14="http://schemas.microsoft.com/office/drawing/2010/main">
+                <a:solidFill>
+                  <a:schemeClr val="accent1"/>
+                </a:solidFill>
+              </a14:hiddenFill>
+            </a:ext>
+          </a:extLst>
+        </p:spPr>
+        <p:style>
+          <a:lnRef idx="2">
+            <a:schemeClr val="accent1">
+              <a:shade val="50000"/>
+            </a:schemeClr>
+          </a:lnRef>
+          <a:fillRef idx="1">
+            <a:schemeClr val="accent1"/>
+          </a:fillRef>
+          <a:effectRef idx="0">
+            <a:schemeClr val="accent1"/>
+          </a:effectRef>
+          <a:fontRef idx="minor">
+            <a:schemeClr val="lt1"/>
+          </a:fontRef>
+        </p:style>
+        <p:txBody>
+          <a:bodyPr rtlCol="0" anchor="ctr"/>
+          <a:p>
+            <a:pPr algn="ctr"/>
+            <a:r>
+              <a:rPr lang="en-US" altLang="zh-CN" b="1">
+                <a:solidFill>
+                  <a:srgbClr val="2C3E50"/>
+                </a:solidFill>
+              </a:rPr>
+              <a:t>ASL compiler</a:t>
+            </a:r>
+            <a:endParaRPr lang="en-US" altLang="zh-CN" b="1">
+              <a:solidFill>
+                <a:srgbClr val="2C3E50"/>
+              </a:solidFill>
+            </a:endParaRPr>
+          </a:p>
+        </p:txBody>
+      </p:sp>
+      <p:sp>
+        <p:nvSpPr>
+          <p:cNvPr id="4" name="矩形 3"/>
+          <p:cNvSpPr/>
+          <p:nvPr/>
+        </p:nvSpPr>
+        <p:spPr>
+          <a:xfrm>
+            <a:off x="3688715" y="5201285"/>
+            <a:ext cx="2496820" cy="1122045"/>
+          </a:xfrm>
+          <a:prstGeom prst="rect">
+            <a:avLst/>
+          </a:prstGeom>
+          <a:noFill/>
+          <a:ln w="38100">
+            <a:solidFill>
+              <a:srgbClr val="2C3E50"/>
+            </a:solidFill>
+          </a:ln>
+          <a:extLst>
+            <a:ext uri="{909E8E84-426E-40DD-AFC4-6F175D3DCCD1}">
+              <a14:hiddenFill xmlns:a14="http://schemas.microsoft.com/office/drawing/2010/main">
+                <a:solidFill>
+                  <a:schemeClr val="accent1"/>
+                </a:solidFill>
+              </a14:hiddenFill>
+            </a:ext>
+          </a:extLst>
+        </p:spPr>
+        <p:style>
+          <a:lnRef idx="2">
+            <a:schemeClr val="accent1">
+              <a:shade val="50000"/>
+            </a:schemeClr>
+          </a:lnRef>
+          <a:fillRef idx="1">
+            <a:schemeClr val="accent1"/>
+          </a:fillRef>
+          <a:effectRef idx="0">
+            <a:schemeClr val="accent1"/>
+          </a:effectRef>
+          <a:fontRef idx="minor">
+            <a:schemeClr val="lt1"/>
+          </a:fontRef>
+        </p:style>
+        <p:txBody>
+          <a:bodyPr rtlCol="0" anchor="ctr"/>
+          <a:p>
+            <a:pPr algn="ctr"/>
+            <a:r>
+              <a:rPr lang="en-US" altLang="zh-CN" b="1">
+                <a:solidFill>
+                  <a:srgbClr val="2C3E50"/>
+                </a:solidFill>
+              </a:rPr>
+              <a:t>A</a:t>
+            </a:r>
+            <a:r>
+              <a:rPr lang="en-US" altLang="en-US" b="1">
+                <a:solidFill>
+                  <a:srgbClr val="2C3E50"/>
+                </a:solidFill>
+              </a:rPr>
+              <a:t>ML(ACPI Machine Language)</a:t>
+            </a:r>
+            <a:endParaRPr lang="en-US" altLang="en-US" b="1">
+              <a:solidFill>
+                <a:srgbClr val="2C3E50"/>
+              </a:solidFill>
+            </a:endParaRPr>
+          </a:p>
+          <a:p>
+            <a:pPr algn="ctr"/>
+            <a:r>
+              <a:rPr lang="en-US" altLang="en-US" b="1">
+                <a:solidFill>
+                  <a:srgbClr val="3EAF7C"/>
+                </a:solidFill>
+              </a:rPr>
+              <a:t>byte code </a:t>
+            </a:r>
+            <a:endParaRPr lang="en-US" altLang="en-US" b="1">
+              <a:solidFill>
+                <a:srgbClr val="3EAF7C"/>
+              </a:solidFill>
+            </a:endParaRPr>
+          </a:p>
+        </p:txBody>
+      </p:sp>
+      <p:sp>
+        <p:nvSpPr>
+          <p:cNvPr id="5" name="矩形 4"/>
+          <p:cNvSpPr/>
+          <p:nvPr/>
+        </p:nvSpPr>
+        <p:spPr>
+          <a:xfrm>
+            <a:off x="300990" y="5290185"/>
+            <a:ext cx="2709545" cy="1033780"/>
+          </a:xfrm>
+          <a:prstGeom prst="rect">
+            <a:avLst/>
+          </a:prstGeom>
+          <a:noFill/>
+          <a:ln w="38100">
+            <a:solidFill>
+              <a:srgbClr val="2C3E50"/>
+            </a:solidFill>
+          </a:ln>
+          <a:extLst>
+            <a:ext uri="{909E8E84-426E-40DD-AFC4-6F175D3DCCD1}">
+              <a14:hiddenFill xmlns:a14="http://schemas.microsoft.com/office/drawing/2010/main">
+                <a:solidFill>
+                  <a:schemeClr val="accent1"/>
+                </a:solidFill>
+              </a14:hiddenFill>
+            </a:ext>
+          </a:extLst>
+        </p:spPr>
+        <p:style>
+          <a:lnRef idx="2">
+            <a:schemeClr val="accent1">
+              <a:shade val="50000"/>
+            </a:schemeClr>
+          </a:lnRef>
+          <a:fillRef idx="1">
+            <a:schemeClr val="accent1"/>
+          </a:fillRef>
+          <a:effectRef idx="0">
+            <a:schemeClr val="accent1"/>
+          </a:effectRef>
+          <a:fontRef idx="minor">
+            <a:schemeClr val="lt1"/>
+          </a:fontRef>
+        </p:style>
+        <p:txBody>
+          <a:bodyPr rtlCol="0" anchor="ctr"/>
+          <a:p>
+            <a:pPr algn="ctr"/>
+            <a:r>
+              <a:rPr lang="en-US" altLang="zh-CN" b="1">
+                <a:solidFill>
+                  <a:srgbClr val="2C3E50"/>
+                </a:solidFill>
+              </a:rPr>
+              <a:t>A</a:t>
+            </a:r>
+            <a:r>
+              <a:rPr lang="en-US" altLang="en-US" b="1">
+                <a:solidFill>
+                  <a:srgbClr val="2C3E50"/>
+                </a:solidFill>
+              </a:rPr>
+              <a:t>ML interpreter</a:t>
+            </a:r>
+            <a:endParaRPr lang="en-US" altLang="en-US" b="1">
+              <a:solidFill>
+                <a:srgbClr val="2C3E50"/>
+              </a:solidFill>
+            </a:endParaRPr>
+          </a:p>
+        </p:txBody>
+      </p:sp>
+      <p:cxnSp>
+        <p:nvCxnSpPr>
+          <p:cNvPr id="7" name="直接箭头连接符 6"/>
+          <p:cNvCxnSpPr>
+            <a:endCxn id="3" idx="0"/>
+          </p:cNvCxnSpPr>
+          <p:nvPr/>
+        </p:nvCxnSpPr>
+        <p:spPr>
+          <a:xfrm>
+            <a:off x="4932680" y="2846070"/>
+            <a:ext cx="10160" cy="930275"/>
+          </a:xfrm>
+          <a:prstGeom prst="straightConnector1">
+            <a:avLst/>
+          </a:prstGeom>
+          <a:ln w="38100">
+            <a:solidFill>
+              <a:srgbClr val="3EAF7C"/>
+            </a:solidFill>
+            <a:tailEnd type="arrow"/>
+          </a:ln>
+        </p:spPr>
+        <p:style>
+          <a:lnRef idx="1">
+            <a:schemeClr val="accent1"/>
+          </a:lnRef>
+          <a:fillRef idx="0">
+            <a:schemeClr val="accent1"/>
+          </a:fillRef>
+          <a:effectRef idx="0">
+            <a:schemeClr val="accent1"/>
+          </a:effectRef>
+          <a:fontRef idx="minor">
+            <a:schemeClr val="tx1"/>
+          </a:fontRef>
+        </p:style>
+      </p:cxnSp>
+      <p:cxnSp>
+        <p:nvCxnSpPr>
+          <p:cNvPr id="8" name="直接箭头连接符 7"/>
+          <p:cNvCxnSpPr>
+            <a:stCxn id="14" idx="2"/>
+            <a:endCxn id="5" idx="0"/>
+          </p:cNvCxnSpPr>
+          <p:nvPr/>
+        </p:nvCxnSpPr>
+        <p:spPr>
+          <a:xfrm flipH="true">
+            <a:off x="1656080" y="4231005"/>
+            <a:ext cx="635" cy="1059180"/>
+          </a:xfrm>
+          <a:prstGeom prst="straightConnector1">
+            <a:avLst/>
+          </a:prstGeom>
+          <a:ln w="38100">
+            <a:solidFill>
+              <a:srgbClr val="3EAF7C"/>
+            </a:solidFill>
+            <a:tailEnd type="arrow"/>
+          </a:ln>
+        </p:spPr>
+        <p:style>
+          <a:lnRef idx="1">
+            <a:schemeClr val="accent1"/>
+          </a:lnRef>
+          <a:fillRef idx="0">
+            <a:schemeClr val="accent1"/>
+          </a:fillRef>
+          <a:effectRef idx="0">
+            <a:schemeClr val="accent1"/>
+          </a:effectRef>
+          <a:fontRef idx="minor">
+            <a:schemeClr val="tx1"/>
+          </a:fontRef>
+        </p:style>
+      </p:cxnSp>
+      <p:cxnSp>
+        <p:nvCxnSpPr>
+          <p:cNvPr id="9" name="直接箭头连接符 8"/>
+          <p:cNvCxnSpPr>
+            <a:stCxn id="6" idx="2"/>
+            <a:endCxn id="14" idx="0"/>
+          </p:cNvCxnSpPr>
+          <p:nvPr/>
+        </p:nvCxnSpPr>
+        <p:spPr>
+          <a:xfrm>
+            <a:off x="1655445" y="2846070"/>
+            <a:ext cx="1270" cy="930275"/>
+          </a:xfrm>
+          <a:prstGeom prst="straightConnector1">
+            <a:avLst/>
+          </a:prstGeom>
+          <a:ln w="38100">
+            <a:solidFill>
+              <a:srgbClr val="3EAF7C"/>
+            </a:solidFill>
+            <a:tailEnd type="arrow"/>
+          </a:ln>
+        </p:spPr>
+        <p:style>
+          <a:lnRef idx="1">
+            <a:schemeClr val="accent1"/>
+          </a:lnRef>
+          <a:fillRef idx="0">
+            <a:schemeClr val="accent1"/>
+          </a:fillRef>
+          <a:effectRef idx="0">
+            <a:schemeClr val="accent1"/>
+          </a:effectRef>
+          <a:fontRef idx="minor">
+            <a:schemeClr val="tx1"/>
+          </a:fontRef>
+        </p:style>
+      </p:cxnSp>
+      <p:sp>
+        <p:nvSpPr>
+          <p:cNvPr id="10" name="圆角矩形标注 9"/>
+          <p:cNvSpPr/>
+          <p:nvPr/>
+        </p:nvSpPr>
+        <p:spPr>
+          <a:xfrm>
+            <a:off x="5056505" y="3154045"/>
+            <a:ext cx="1134745" cy="494665"/>
+          </a:xfrm>
+          <a:prstGeom prst="wedgeRoundRectCallout">
+            <a:avLst/>
+          </a:prstGeom>
+          <a:noFill/>
+          <a:ln w="38100">
+            <a:solidFill>
+              <a:srgbClr val="2C3E50"/>
+            </a:solidFill>
+          </a:ln>
+          <a:extLst>
+            <a:ext uri="{909E8E84-426E-40DD-AFC4-6F175D3DCCD1}">
+              <a14:hiddenFill xmlns:a14="http://schemas.microsoft.com/office/drawing/2010/main">
+                <a:solidFill>
+                  <a:schemeClr val="accent2"/>
+                </a:solidFill>
+              </a14:hiddenFill>
+            </a:ext>
+          </a:extLst>
+        </p:spPr>
+        <p:style>
+          <a:lnRef idx="2">
+            <a:schemeClr val="accent1">
+              <a:shade val="50000"/>
+            </a:schemeClr>
+          </a:lnRef>
+          <a:fillRef idx="1">
+            <a:schemeClr val="accent1"/>
+          </a:fillRef>
+          <a:effectRef idx="0">
+            <a:schemeClr val="accent1"/>
+          </a:effectRef>
+          <a:fontRef idx="minor">
+            <a:schemeClr val="lt1"/>
+          </a:fontRef>
+        </p:style>
+        <p:txBody>
+          <a:bodyPr rtlCol="0" anchor="ctr"/>
+          <a:p>
+            <a:pPr algn="ctr"/>
+            <a:r>
+              <a:rPr lang="en-US" altLang="zh-CN" sz="1200" b="1">
+                <a:solidFill>
+                  <a:srgbClr val="2C3E50"/>
+                </a:solidFill>
+              </a:rPr>
+              <a:t>acpica</a:t>
+            </a:r>
+            <a:endParaRPr lang="en-US" altLang="zh-CN" sz="1200" b="1">
+              <a:solidFill>
+                <a:srgbClr val="2C3E50"/>
+              </a:solidFill>
+            </a:endParaRPr>
+          </a:p>
+          <a:p>
+            <a:pPr algn="ctr"/>
+            <a:r>
+              <a:rPr lang="zh-CN" altLang="en-US" sz="1200" b="1">
+                <a:solidFill>
+                  <a:srgbClr val="2C3E50"/>
+                </a:solidFill>
+              </a:rPr>
+              <a:t>提供</a:t>
+            </a:r>
+            <a:endParaRPr lang="zh-CN" altLang="en-US" sz="1200" b="1">
+              <a:solidFill>
+                <a:srgbClr val="2C3E50"/>
+              </a:solidFill>
+            </a:endParaRPr>
+          </a:p>
+        </p:txBody>
+      </p:sp>
+      <p:sp>
+        <p:nvSpPr>
+          <p:cNvPr id="11" name="圆角矩形标注 10"/>
+          <p:cNvSpPr/>
+          <p:nvPr/>
+        </p:nvSpPr>
+        <p:spPr>
+          <a:xfrm>
+            <a:off x="1853565" y="4748530"/>
+            <a:ext cx="1075055" cy="457200"/>
+          </a:xfrm>
+          <a:prstGeom prst="wedgeRoundRectCallout">
+            <a:avLst/>
+          </a:prstGeom>
+          <a:noFill/>
+          <a:ln w="38100">
+            <a:solidFill>
+              <a:srgbClr val="2C3E50"/>
+            </a:solidFill>
+          </a:ln>
+          <a:extLst>
+            <a:ext uri="{909E8E84-426E-40DD-AFC4-6F175D3DCCD1}">
+              <a14:hiddenFill xmlns:a14="http://schemas.microsoft.com/office/drawing/2010/main">
+                <a:solidFill>
+                  <a:schemeClr val="accent2"/>
+                </a:solidFill>
+              </a14:hiddenFill>
+            </a:ext>
+          </a:extLst>
+        </p:spPr>
+        <p:style>
+          <a:lnRef idx="2">
+            <a:schemeClr val="accent1">
+              <a:shade val="50000"/>
+            </a:schemeClr>
+          </a:lnRef>
+          <a:fillRef idx="1">
+            <a:schemeClr val="accent1"/>
+          </a:fillRef>
+          <a:effectRef idx="0">
+            <a:schemeClr val="accent1"/>
+          </a:effectRef>
+          <a:fontRef idx="minor">
+            <a:schemeClr val="lt1"/>
+          </a:fontRef>
+        </p:style>
+        <p:txBody>
+          <a:bodyPr rtlCol="0" anchor="ctr"/>
+          <a:p>
+            <a:pPr algn="ctr"/>
+            <a:r>
+              <a:rPr lang="en-US" altLang="en-US" sz="1200" b="1">
+                <a:solidFill>
+                  <a:srgbClr val="2C3E50"/>
+                </a:solidFill>
+              </a:rPr>
+              <a:t>acpica</a:t>
+            </a:r>
+            <a:r>
+              <a:rPr lang="zh-CN" altLang="en-US" sz="1200" b="1">
+                <a:solidFill>
+                  <a:srgbClr val="2C3E50"/>
+                </a:solidFill>
+              </a:rPr>
+              <a:t>提供加入内核</a:t>
+            </a:r>
+            <a:endParaRPr lang="zh-CN" altLang="en-US" sz="1200" b="1">
+              <a:solidFill>
+                <a:srgbClr val="2C3E50"/>
+              </a:solidFill>
+            </a:endParaRPr>
+          </a:p>
+        </p:txBody>
+      </p:sp>
+      <p:sp>
+        <p:nvSpPr>
+          <p:cNvPr id="6" name="矩形 5"/>
+          <p:cNvSpPr/>
+          <p:nvPr/>
+        </p:nvSpPr>
+        <p:spPr>
+          <a:xfrm>
+            <a:off x="299720" y="1948180"/>
+            <a:ext cx="2710815" cy="897890"/>
+          </a:xfrm>
+          <a:prstGeom prst="rect">
+            <a:avLst/>
+          </a:prstGeom>
+          <a:noFill/>
+          <a:ln w="38100">
+            <a:solidFill>
+              <a:srgbClr val="2C3E50"/>
+            </a:solidFill>
+          </a:ln>
+          <a:extLst>
+            <a:ext uri="{909E8E84-426E-40DD-AFC4-6F175D3DCCD1}">
+              <a14:hiddenFill xmlns:a14="http://schemas.microsoft.com/office/drawing/2010/main">
+                <a:solidFill>
+                  <a:schemeClr val="accent1"/>
+                </a:solidFill>
+              </a14:hiddenFill>
+            </a:ext>
+          </a:extLst>
+        </p:spPr>
+        <p:style>
+          <a:lnRef idx="2">
+            <a:schemeClr val="accent1">
+              <a:shade val="50000"/>
+            </a:schemeClr>
+          </a:lnRef>
+          <a:fillRef idx="1">
+            <a:schemeClr val="accent1"/>
+          </a:fillRef>
+          <a:effectRef idx="0">
+            <a:schemeClr val="accent1"/>
+          </a:effectRef>
+          <a:fontRef idx="minor">
+            <a:schemeClr val="lt1"/>
+          </a:fontRef>
+        </p:style>
+        <p:txBody>
+          <a:bodyPr rtlCol="0" anchor="ctr"/>
+          <a:p>
+            <a:pPr algn="ctr"/>
+            <a:r>
+              <a:rPr lang="en-US" altLang="en-US" b="1">
+                <a:solidFill>
+                  <a:srgbClr val="2C3E50"/>
+                </a:solidFill>
+              </a:rPr>
+              <a:t>kernel</a:t>
+            </a:r>
+            <a:endParaRPr lang="en-US" altLang="en-US" b="1">
+              <a:solidFill>
+                <a:srgbClr val="2C3E50"/>
+              </a:solidFill>
+            </a:endParaRPr>
+          </a:p>
+        </p:txBody>
+      </p:sp>
+      <p:sp>
+        <p:nvSpPr>
+          <p:cNvPr id="12" name="矩形 11"/>
+          <p:cNvSpPr/>
+          <p:nvPr/>
+        </p:nvSpPr>
+        <p:spPr>
+          <a:xfrm>
+            <a:off x="300990" y="7492365"/>
+            <a:ext cx="6104890" cy="1605280"/>
+          </a:xfrm>
+          <a:prstGeom prst="rect">
+            <a:avLst/>
+          </a:prstGeom>
+          <a:noFill/>
+          <a:ln w="38100">
+            <a:solidFill>
+              <a:srgbClr val="2C3E50"/>
+            </a:solidFill>
+          </a:ln>
+          <a:extLst>
+            <a:ext uri="{909E8E84-426E-40DD-AFC4-6F175D3DCCD1}">
+              <a14:hiddenFill xmlns:a14="http://schemas.microsoft.com/office/drawing/2010/main">
+                <a:solidFill>
+                  <a:schemeClr val="accent1"/>
+                </a:solidFill>
+              </a14:hiddenFill>
+            </a:ext>
+          </a:extLst>
+        </p:spPr>
+        <p:style>
+          <a:lnRef idx="2">
+            <a:schemeClr val="accent1">
+              <a:shade val="50000"/>
+            </a:schemeClr>
+          </a:lnRef>
+          <a:fillRef idx="1">
+            <a:schemeClr val="accent1"/>
+          </a:fillRef>
+          <a:effectRef idx="0">
+            <a:schemeClr val="accent1"/>
+          </a:effectRef>
+          <a:fontRef idx="minor">
+            <a:schemeClr val="lt1"/>
+          </a:fontRef>
+        </p:style>
+        <p:txBody>
+          <a:bodyPr rtlCol="0" anchor="t" anchorCtr="false"/>
+          <a:p>
+            <a:pPr algn="l"/>
+            <a:r>
+              <a:rPr lang="en-US" altLang="en-US" b="1">
+                <a:solidFill>
+                  <a:srgbClr val="2C3E50"/>
+                </a:solidFill>
+              </a:rPr>
+              <a:t>memory</a:t>
+            </a:r>
+            <a:endParaRPr lang="en-US" altLang="en-US" b="1">
+              <a:solidFill>
+                <a:srgbClr val="2C3E50"/>
+              </a:solidFill>
+            </a:endParaRPr>
+          </a:p>
+        </p:txBody>
+      </p:sp>
+      <p:sp>
+        <p:nvSpPr>
+          <p:cNvPr id="13" name="矩形 12"/>
+          <p:cNvSpPr/>
+          <p:nvPr/>
+        </p:nvSpPr>
+        <p:spPr>
+          <a:xfrm>
+            <a:off x="3688715" y="8268970"/>
+            <a:ext cx="2496820" cy="474980"/>
+          </a:xfrm>
+          <a:prstGeom prst="rect">
+            <a:avLst/>
+          </a:prstGeom>
+          <a:noFill/>
+          <a:ln w="38100">
+            <a:solidFill>
+              <a:srgbClr val="2C3E50"/>
+            </a:solidFill>
+          </a:ln>
+          <a:extLst>
+            <a:ext uri="{909E8E84-426E-40DD-AFC4-6F175D3DCCD1}">
+              <a14:hiddenFill xmlns:a14="http://schemas.microsoft.com/office/drawing/2010/main">
+                <a:solidFill>
+                  <a:schemeClr val="accent1"/>
+                </a:solidFill>
+              </a14:hiddenFill>
+            </a:ext>
+          </a:extLst>
+        </p:spPr>
+        <p:style>
+          <a:lnRef idx="2">
+            <a:schemeClr val="accent1">
+              <a:shade val="50000"/>
+            </a:schemeClr>
+          </a:lnRef>
+          <a:fillRef idx="1">
+            <a:schemeClr val="accent1"/>
+          </a:fillRef>
+          <a:effectRef idx="0">
+            <a:schemeClr val="accent1"/>
+          </a:effectRef>
+          <a:fontRef idx="minor">
+            <a:schemeClr val="lt1"/>
+          </a:fontRef>
+        </p:style>
+        <p:txBody>
+          <a:bodyPr rtlCol="0" anchor="ctr"/>
+          <a:p>
+            <a:pPr algn="ctr"/>
+            <a:r>
+              <a:rPr lang="en-US" altLang="en-US" b="1">
+                <a:solidFill>
+                  <a:srgbClr val="2C3E50"/>
+                </a:solidFill>
+              </a:rPr>
+              <a:t>aml byte code</a:t>
+            </a:r>
+            <a:endParaRPr lang="en-US" altLang="en-US" b="1">
+              <a:solidFill>
+                <a:srgbClr val="2C3E50"/>
+              </a:solidFill>
+            </a:endParaRPr>
+          </a:p>
+        </p:txBody>
+      </p:sp>
+      <p:sp>
+        <p:nvSpPr>
+          <p:cNvPr id="14" name="矩形 13"/>
+          <p:cNvSpPr/>
+          <p:nvPr/>
+        </p:nvSpPr>
+        <p:spPr>
+          <a:xfrm>
+            <a:off x="301625" y="3776345"/>
+            <a:ext cx="2709545" cy="454660"/>
+          </a:xfrm>
+          <a:prstGeom prst="rect">
+            <a:avLst/>
+          </a:prstGeom>
+          <a:noFill/>
+          <a:ln w="38100">
+            <a:solidFill>
+              <a:srgbClr val="2C3E50"/>
+            </a:solidFill>
+          </a:ln>
+          <a:extLst>
+            <a:ext uri="{909E8E84-426E-40DD-AFC4-6F175D3DCCD1}">
+              <a14:hiddenFill xmlns:a14="http://schemas.microsoft.com/office/drawing/2010/main">
+                <a:solidFill>
+                  <a:schemeClr val="accent1"/>
+                </a:solidFill>
+              </a14:hiddenFill>
+            </a:ext>
+          </a:extLst>
+        </p:spPr>
+        <p:style>
+          <a:lnRef idx="2">
+            <a:schemeClr val="accent1">
+              <a:shade val="50000"/>
+            </a:schemeClr>
+          </a:lnRef>
+          <a:fillRef idx="1">
+            <a:schemeClr val="accent1"/>
+          </a:fillRef>
+          <a:effectRef idx="0">
+            <a:schemeClr val="accent1"/>
+          </a:effectRef>
+          <a:fontRef idx="minor">
+            <a:schemeClr val="lt1"/>
+          </a:fontRef>
+        </p:style>
+        <p:txBody>
+          <a:bodyPr rtlCol="0" anchor="ctr"/>
+          <a:p>
+            <a:pPr algn="ctr"/>
+            <a:r>
+              <a:rPr lang="en-US" altLang="en-US" b="1">
+                <a:solidFill>
+                  <a:srgbClr val="2C3E50"/>
+                </a:solidFill>
+              </a:rPr>
+              <a:t>acpica interface</a:t>
+            </a:r>
+            <a:endParaRPr lang="en-US" altLang="en-US" b="1">
+              <a:solidFill>
+                <a:srgbClr val="2C3E50"/>
+              </a:solidFill>
+            </a:endParaRPr>
+          </a:p>
+        </p:txBody>
+      </p:sp>
+      <p:sp>
+        <p:nvSpPr>
+          <p:cNvPr id="15" name="圆角矩形标注 14"/>
+          <p:cNvSpPr/>
+          <p:nvPr/>
+        </p:nvSpPr>
+        <p:spPr>
+          <a:xfrm>
+            <a:off x="1842135" y="3195320"/>
+            <a:ext cx="1075055" cy="457200"/>
+          </a:xfrm>
+          <a:prstGeom prst="wedgeRoundRectCallout">
+            <a:avLst/>
+          </a:prstGeom>
+          <a:noFill/>
+          <a:ln w="38100">
+            <a:solidFill>
+              <a:srgbClr val="2C3E50"/>
+            </a:solidFill>
+          </a:ln>
+          <a:extLst>
+            <a:ext uri="{909E8E84-426E-40DD-AFC4-6F175D3DCCD1}">
+              <a14:hiddenFill xmlns:a14="http://schemas.microsoft.com/office/drawing/2010/main">
+                <a:solidFill>
+                  <a:schemeClr val="accent2"/>
+                </a:solidFill>
+              </a14:hiddenFill>
+            </a:ext>
+          </a:extLst>
+        </p:spPr>
+        <p:style>
+          <a:lnRef idx="2">
+            <a:schemeClr val="accent1">
+              <a:shade val="50000"/>
+            </a:schemeClr>
+          </a:lnRef>
+          <a:fillRef idx="1">
+            <a:schemeClr val="accent1"/>
+          </a:fillRef>
+          <a:effectRef idx="0">
+            <a:schemeClr val="accent1"/>
+          </a:effectRef>
+          <a:fontRef idx="minor">
+            <a:schemeClr val="lt1"/>
+          </a:fontRef>
+        </p:style>
+        <p:txBody>
+          <a:bodyPr rtlCol="0" anchor="ctr"/>
+          <a:p>
+            <a:pPr algn="ctr"/>
+            <a:r>
+              <a:rPr lang="en-US" altLang="en-US" sz="1200" b="1">
+                <a:solidFill>
+                  <a:srgbClr val="2C3E50"/>
+                </a:solidFill>
+              </a:rPr>
+              <a:t>acpica</a:t>
+            </a:r>
+            <a:r>
+              <a:rPr lang="zh-CN" altLang="en-US" sz="1200" b="1">
+                <a:solidFill>
+                  <a:srgbClr val="2C3E50"/>
+                </a:solidFill>
+              </a:rPr>
+              <a:t>提供加入内核</a:t>
+            </a:r>
+            <a:endParaRPr lang="zh-CN" altLang="en-US" sz="1200" b="1">
+              <a:solidFill>
+                <a:srgbClr val="2C3E50"/>
+              </a:solidFill>
+            </a:endParaRPr>
+          </a:p>
+        </p:txBody>
+      </p:sp>
+      <p:cxnSp>
+        <p:nvCxnSpPr>
+          <p:cNvPr id="16" name="直接箭头连接符 15"/>
+          <p:cNvCxnSpPr>
+            <a:endCxn id="13" idx="0"/>
+          </p:cNvCxnSpPr>
+          <p:nvPr/>
+        </p:nvCxnSpPr>
+        <p:spPr>
+          <a:xfrm>
+            <a:off x="4921250" y="6746240"/>
+            <a:ext cx="15875" cy="1522730"/>
+          </a:xfrm>
+          <a:prstGeom prst="straightConnector1">
+            <a:avLst/>
+          </a:prstGeom>
+          <a:ln w="38100">
+            <a:solidFill>
+              <a:srgbClr val="3EAF7C"/>
+            </a:solidFill>
+            <a:tailEnd type="arrow"/>
+          </a:ln>
+        </p:spPr>
+        <p:style>
+          <a:lnRef idx="1">
+            <a:schemeClr val="accent1"/>
+          </a:lnRef>
+          <a:fillRef idx="0">
+            <a:schemeClr val="accent1"/>
+          </a:fillRef>
+          <a:effectRef idx="0">
+            <a:schemeClr val="accent1"/>
+          </a:effectRef>
+          <a:fontRef idx="minor">
+            <a:schemeClr val="tx1"/>
+          </a:fontRef>
+        </p:style>
+      </p:cxnSp>
+      <p:cxnSp>
+        <p:nvCxnSpPr>
+          <p:cNvPr id="17" name="直接箭头连接符 16"/>
+          <p:cNvCxnSpPr/>
+          <p:nvPr/>
+        </p:nvCxnSpPr>
+        <p:spPr>
+          <a:xfrm>
+            <a:off x="4921250" y="4333875"/>
+            <a:ext cx="16510" cy="871855"/>
+          </a:xfrm>
+          <a:prstGeom prst="straightConnector1">
+            <a:avLst/>
+          </a:prstGeom>
+          <a:ln w="38100">
+            <a:solidFill>
+              <a:srgbClr val="3EAF7C"/>
+            </a:solidFill>
+            <a:tailEnd type="arrow"/>
+          </a:ln>
+        </p:spPr>
+        <p:style>
+          <a:lnRef idx="1">
+            <a:schemeClr val="accent1"/>
+          </a:lnRef>
+          <a:fillRef idx="0">
+            <a:schemeClr val="accent1"/>
+          </a:fillRef>
+          <a:effectRef idx="0">
+            <a:schemeClr val="accent1"/>
+          </a:effectRef>
+          <a:fontRef idx="minor">
+            <a:schemeClr val="tx1"/>
+          </a:fontRef>
+        </p:style>
+      </p:cxnSp>
+      <p:sp>
+        <p:nvSpPr>
+          <p:cNvPr id="19" name="矩形 18"/>
+          <p:cNvSpPr/>
+          <p:nvPr/>
+        </p:nvSpPr>
+        <p:spPr>
+          <a:xfrm>
+            <a:off x="167005" y="1027430"/>
+            <a:ext cx="3208020" cy="6102985"/>
+          </a:xfrm>
+          <a:prstGeom prst="rect">
+            <a:avLst/>
+          </a:prstGeom>
+          <a:noFill/>
+          <a:ln w="38100">
+            <a:solidFill>
+              <a:srgbClr val="2C3E50"/>
+            </a:solidFill>
+            <a:prstDash val="dash"/>
+          </a:ln>
+          <a:extLst>
+            <a:ext uri="{909E8E84-426E-40DD-AFC4-6F175D3DCCD1}">
+              <a14:hiddenFill xmlns:a14="http://schemas.microsoft.com/office/drawing/2010/main">
+                <a:solidFill>
+                  <a:schemeClr val="accent2"/>
+                </a:solidFill>
+              </a14:hiddenFill>
+            </a:ext>
+          </a:extLst>
+        </p:spPr>
+        <p:style>
+          <a:lnRef idx="2">
+            <a:schemeClr val="accent1">
+              <a:shade val="50000"/>
+            </a:schemeClr>
+          </a:lnRef>
+          <a:fillRef idx="1">
+            <a:schemeClr val="accent1"/>
+          </a:fillRef>
+          <a:effectRef idx="0">
+            <a:schemeClr val="accent1"/>
+          </a:effectRef>
+          <a:fontRef idx="minor">
+            <a:schemeClr val="lt1"/>
+          </a:fontRef>
+        </p:style>
+        <p:txBody>
+          <a:bodyPr rtlCol="0" anchor="t" anchorCtr="false"/>
+          <a:p>
+            <a:pPr algn="l"/>
+            <a:r>
+              <a:rPr lang="en-US" altLang="zh-CN" b="1">
+                <a:solidFill>
+                  <a:srgbClr val="2C3E50"/>
+                </a:solidFill>
+              </a:rPr>
+              <a:t>OS</a:t>
+            </a:r>
+            <a:endParaRPr lang="en-US" altLang="zh-CN" b="1">
+              <a:solidFill>
+                <a:srgbClr val="2C3E50"/>
+              </a:solidFill>
+            </a:endParaRPr>
+          </a:p>
+        </p:txBody>
+      </p:sp>
+      <p:sp>
+        <p:nvSpPr>
+          <p:cNvPr id="20" name="矩形 19"/>
+          <p:cNvSpPr/>
+          <p:nvPr/>
+        </p:nvSpPr>
+        <p:spPr>
+          <a:xfrm>
+            <a:off x="3552825" y="1023620"/>
+            <a:ext cx="3208020" cy="6102985"/>
+          </a:xfrm>
+          <a:prstGeom prst="rect">
+            <a:avLst/>
+          </a:prstGeom>
+          <a:noFill/>
+          <a:ln w="38100">
+            <a:solidFill>
+              <a:srgbClr val="2C3E50"/>
+            </a:solidFill>
+            <a:prstDash val="dash"/>
+          </a:ln>
+          <a:extLst>
+            <a:ext uri="{909E8E84-426E-40DD-AFC4-6F175D3DCCD1}">
+              <a14:hiddenFill xmlns:a14="http://schemas.microsoft.com/office/drawing/2010/main">
+                <a:solidFill>
+                  <a:schemeClr val="accent2"/>
+                </a:solidFill>
+              </a14:hiddenFill>
+            </a:ext>
+          </a:extLst>
+        </p:spPr>
+        <p:style>
+          <a:lnRef idx="2">
+            <a:schemeClr val="accent1">
+              <a:shade val="50000"/>
+            </a:schemeClr>
+          </a:lnRef>
+          <a:fillRef idx="1">
+            <a:schemeClr val="accent1"/>
+          </a:fillRef>
+          <a:effectRef idx="0">
+            <a:schemeClr val="accent1"/>
+          </a:effectRef>
+          <a:fontRef idx="minor">
+            <a:schemeClr val="lt1"/>
+          </a:fontRef>
+        </p:style>
+        <p:txBody>
+          <a:bodyPr rtlCol="0" anchor="t" anchorCtr="false"/>
+          <a:p>
+            <a:pPr algn="l"/>
+            <a:r>
+              <a:rPr lang="en-US" altLang="en-US" b="1">
+                <a:solidFill>
+                  <a:srgbClr val="2C3E50"/>
+                </a:solidFill>
+              </a:rPr>
+              <a:t>BI</a:t>
+            </a:r>
+            <a:r>
+              <a:rPr lang="en-US" altLang="zh-CN" b="1">
+                <a:solidFill>
+                  <a:srgbClr val="2C3E50"/>
+                </a:solidFill>
+              </a:rPr>
+              <a:t>OS</a:t>
+            </a:r>
+            <a:endParaRPr lang="en-US" altLang="zh-CN" b="1">
+              <a:solidFill>
+                <a:srgbClr val="2C3E50"/>
+              </a:solidFill>
+            </a:endParaRPr>
+          </a:p>
+        </p:txBody>
+      </p:sp>
+      <p:sp>
+        <p:nvSpPr>
+          <p:cNvPr id="21" name="矩形 20"/>
+          <p:cNvSpPr/>
+          <p:nvPr/>
+        </p:nvSpPr>
+        <p:spPr>
+          <a:xfrm>
+            <a:off x="406400" y="8245475"/>
+            <a:ext cx="2496820" cy="498475"/>
+          </a:xfrm>
+          <a:prstGeom prst="rect">
+            <a:avLst/>
+          </a:prstGeom>
+          <a:noFill/>
+          <a:ln w="38100">
+            <a:solidFill>
+              <a:srgbClr val="2C3E50"/>
+            </a:solidFill>
+          </a:ln>
+          <a:extLst>
+            <a:ext uri="{909E8E84-426E-40DD-AFC4-6F175D3DCCD1}">
+              <a14:hiddenFill xmlns:a14="http://schemas.microsoft.com/office/drawing/2010/main">
+                <a:solidFill>
+                  <a:schemeClr val="accent1"/>
+                </a:solidFill>
+              </a14:hiddenFill>
+            </a:ext>
+          </a:extLst>
+        </p:spPr>
+        <p:style>
+          <a:lnRef idx="2">
+            <a:schemeClr val="accent1">
+              <a:shade val="50000"/>
+            </a:schemeClr>
+          </a:lnRef>
+          <a:fillRef idx="1">
+            <a:schemeClr val="accent1"/>
+          </a:fillRef>
+          <a:effectRef idx="0">
+            <a:schemeClr val="accent1"/>
+          </a:effectRef>
+          <a:fontRef idx="minor">
+            <a:schemeClr val="lt1"/>
+          </a:fontRef>
+        </p:style>
+        <p:txBody>
+          <a:bodyPr rtlCol="0" anchor="ctr"/>
+          <a:p>
+            <a:pPr algn="ctr"/>
+            <a:r>
+              <a:rPr lang="en-US" altLang="en-US" b="1">
+                <a:solidFill>
+                  <a:srgbClr val="2C3E50"/>
+                </a:solidFill>
+              </a:rPr>
+              <a:t>aml byte code</a:t>
+            </a:r>
+            <a:endParaRPr lang="en-US" altLang="en-US" b="1">
+              <a:solidFill>
+                <a:srgbClr val="2C3E50"/>
+              </a:solidFill>
+            </a:endParaRPr>
+          </a:p>
+        </p:txBody>
+      </p:sp>
+      <p:cxnSp>
+        <p:nvCxnSpPr>
+          <p:cNvPr id="22" name="直接箭头连接符 21"/>
+          <p:cNvCxnSpPr>
+            <a:stCxn id="5" idx="2"/>
+            <a:endCxn id="21" idx="0"/>
+          </p:cNvCxnSpPr>
+          <p:nvPr/>
+        </p:nvCxnSpPr>
+        <p:spPr>
+          <a:xfrm flipH="true">
+            <a:off x="1654810" y="6323965"/>
+            <a:ext cx="1270" cy="1921510"/>
+          </a:xfrm>
+          <a:prstGeom prst="straightConnector1">
+            <a:avLst/>
+          </a:prstGeom>
+          <a:ln w="38100">
+            <a:solidFill>
+              <a:srgbClr val="3EAF7C"/>
+            </a:solidFill>
+            <a:tailEnd type="arrow"/>
+          </a:ln>
+        </p:spPr>
+        <p:style>
+          <a:lnRef idx="1">
+            <a:schemeClr val="accent1"/>
+          </a:lnRef>
+          <a:fillRef idx="0">
+            <a:schemeClr val="accent1"/>
+          </a:fillRef>
+          <a:effectRef idx="0">
+            <a:schemeClr val="accent1"/>
+          </a:effectRef>
+          <a:fontRef idx="minor">
+            <a:schemeClr val="tx1"/>
+          </a:fontRef>
+        </p:style>
+      </p:cxnSp>
+      <p:cxnSp>
+        <p:nvCxnSpPr>
+          <p:cNvPr id="23" name="直接箭头连接符 22"/>
+          <p:cNvCxnSpPr>
+            <a:stCxn id="13" idx="1"/>
+            <a:endCxn id="21" idx="3"/>
+          </p:cNvCxnSpPr>
+          <p:nvPr/>
+        </p:nvCxnSpPr>
+        <p:spPr>
+          <a:xfrm flipH="true" flipV="true">
+            <a:off x="2903220" y="8495030"/>
+            <a:ext cx="785495" cy="11430"/>
+          </a:xfrm>
+          <a:prstGeom prst="straightConnector1">
+            <a:avLst/>
+          </a:prstGeom>
+          <a:ln w="38100">
+            <a:solidFill>
+              <a:srgbClr val="CC3300"/>
+            </a:solidFill>
+            <a:tailEnd type="arrow"/>
+          </a:ln>
+        </p:spPr>
+        <p:style>
+          <a:lnRef idx="1">
+            <a:schemeClr val="accent1"/>
+          </a:lnRef>
+          <a:fillRef idx="0">
+            <a:schemeClr val="accent1"/>
+          </a:fillRef>
+          <a:effectRef idx="0">
+            <a:schemeClr val="accent1"/>
+          </a:effectRef>
+          <a:fontRef idx="minor">
+            <a:schemeClr val="tx1"/>
+          </a:fontRef>
+        </p:style>
+      </p:cxnSp>
+      <p:sp>
+        <p:nvSpPr>
+          <p:cNvPr id="24" name="文本框 23"/>
+          <p:cNvSpPr txBox="true"/>
+          <p:nvPr/>
+        </p:nvSpPr>
+        <p:spPr>
+          <a:xfrm>
+            <a:off x="2959735" y="8138160"/>
+            <a:ext cx="653415" cy="306705"/>
+          </a:xfrm>
+          <a:prstGeom prst="rect">
+            <a:avLst/>
+          </a:prstGeom>
+          <a:noFill/>
+        </p:spPr>
+        <p:txBody>
+          <a:bodyPr wrap="none" rtlCol="0">
+            <a:spAutoFit/>
+          </a:bodyPr>
+          <a:p>
+            <a:r>
+              <a:rPr lang="en-US" altLang="zh-CN" sz="1400" b="1">
+                <a:solidFill>
+                  <a:srgbClr val="2C3E50"/>
+                </a:solidFill>
+              </a:rPr>
+              <a:t>copy</a:t>
+            </a:r>
+            <a:endParaRPr lang="en-US" altLang="zh-CN" sz="1400" b="1">
+              <a:solidFill>
+                <a:srgbClr val="2C3E50"/>
+              </a:solidFill>
+            </a:endParaRPr>
+          </a:p>
+        </p:txBody>
+      </p:sp>
     </p:spTree>
   </p:cSld>
   <p:clrMapOvr>
@@ -4076,6 +5380,657 @@
         <p:nvPr/>
       </p:nvGrpSpPr>
       <p:grpSpPr/>
+      <p:sp>
+        <p:nvSpPr>
+          <p:cNvPr id="6" name="矩形 5"/>
+          <p:cNvSpPr/>
+          <p:nvPr/>
+        </p:nvSpPr>
+        <p:spPr>
+          <a:xfrm>
+            <a:off x="737235" y="2806700"/>
+            <a:ext cx="3735705" cy="1421130"/>
+          </a:xfrm>
+          <a:prstGeom prst="rect">
+            <a:avLst/>
+          </a:prstGeom>
+          <a:noFill/>
+          <a:ln w="38100">
+            <a:solidFill>
+              <a:srgbClr val="2C3E50"/>
+            </a:solidFill>
+          </a:ln>
+          <a:extLst>
+            <a:ext uri="{909E8E84-426E-40DD-AFC4-6F175D3DCCD1}">
+              <a14:hiddenFill xmlns:a14="http://schemas.microsoft.com/office/drawing/2010/main">
+                <a:solidFill>
+                  <a:schemeClr val="accent1"/>
+                </a:solidFill>
+              </a14:hiddenFill>
+            </a:ext>
+          </a:extLst>
+        </p:spPr>
+        <p:style>
+          <a:lnRef idx="2">
+            <a:schemeClr val="accent1">
+              <a:shade val="50000"/>
+            </a:schemeClr>
+          </a:lnRef>
+          <a:fillRef idx="1">
+            <a:schemeClr val="accent1"/>
+          </a:fillRef>
+          <a:effectRef idx="0">
+            <a:schemeClr val="accent1"/>
+          </a:effectRef>
+          <a:fontRef idx="minor">
+            <a:schemeClr val="lt1"/>
+          </a:fontRef>
+        </p:style>
+        <p:txBody>
+          <a:bodyPr rtlCol="0" anchor="t" anchorCtr="false"/>
+          <a:p>
+            <a:pPr algn="ctr"/>
+            <a:r>
+              <a:rPr lang="en-US" altLang="en-US" b="1">
+                <a:solidFill>
+                  <a:srgbClr val="2C3E50"/>
+                </a:solidFill>
+              </a:rPr>
+              <a:t>acpi_gbl_root_node_struct</a:t>
+            </a:r>
+            <a:endParaRPr lang="en-US" altLang="en-US" b="1">
+              <a:solidFill>
+                <a:srgbClr val="2C3E50"/>
+              </a:solidFill>
+            </a:endParaRPr>
+          </a:p>
+        </p:txBody>
+      </p:sp>
+      <p:sp>
+        <p:nvSpPr>
+          <p:cNvPr id="4" name="矩形 3"/>
+          <p:cNvSpPr/>
+          <p:nvPr/>
+        </p:nvSpPr>
+        <p:spPr>
+          <a:xfrm>
+            <a:off x="1267460" y="3589655"/>
+            <a:ext cx="1136650" cy="429260"/>
+          </a:xfrm>
+          <a:prstGeom prst="rect">
+            <a:avLst/>
+          </a:prstGeom>
+          <a:noFill/>
+          <a:ln w="38100">
+            <a:solidFill>
+              <a:srgbClr val="2C3E50"/>
+            </a:solidFill>
+          </a:ln>
+          <a:extLst>
+            <a:ext uri="{909E8E84-426E-40DD-AFC4-6F175D3DCCD1}">
+              <a14:hiddenFill xmlns:a14="http://schemas.microsoft.com/office/drawing/2010/main">
+                <a:solidFill>
+                  <a:schemeClr val="accent1"/>
+                </a:solidFill>
+              </a14:hiddenFill>
+            </a:ext>
+          </a:extLst>
+        </p:spPr>
+        <p:style>
+          <a:lnRef idx="2">
+            <a:schemeClr val="accent1">
+              <a:shade val="50000"/>
+            </a:schemeClr>
+          </a:lnRef>
+          <a:fillRef idx="1">
+            <a:schemeClr val="accent1"/>
+          </a:fillRef>
+          <a:effectRef idx="0">
+            <a:schemeClr val="accent1"/>
+          </a:effectRef>
+          <a:fontRef idx="minor">
+            <a:schemeClr val="lt1"/>
+          </a:fontRef>
+        </p:style>
+        <p:txBody>
+          <a:bodyPr rtlCol="0" anchor="t" anchorCtr="false"/>
+          <a:p>
+            <a:pPr algn="ctr"/>
+            <a:r>
+              <a:rPr lang="en-US" altLang="en-US" b="1">
+                <a:solidFill>
+                  <a:srgbClr val="2C3E50"/>
+                </a:solidFill>
+              </a:rPr>
+              <a:t>child</a:t>
+            </a:r>
+            <a:endParaRPr lang="en-US" altLang="en-US" b="1">
+              <a:solidFill>
+                <a:srgbClr val="2C3E50"/>
+              </a:solidFill>
+            </a:endParaRPr>
+          </a:p>
+        </p:txBody>
+      </p:sp>
+      <p:sp>
+        <p:nvSpPr>
+          <p:cNvPr id="5" name="矩形 4"/>
+          <p:cNvSpPr/>
+          <p:nvPr/>
+        </p:nvSpPr>
+        <p:spPr>
+          <a:xfrm>
+            <a:off x="325755" y="5172075"/>
+            <a:ext cx="3070225" cy="1421130"/>
+          </a:xfrm>
+          <a:prstGeom prst="rect">
+            <a:avLst/>
+          </a:prstGeom>
+          <a:noFill/>
+          <a:ln w="38100">
+            <a:solidFill>
+              <a:srgbClr val="2C3E50"/>
+            </a:solidFill>
+          </a:ln>
+          <a:extLst>
+            <a:ext uri="{909E8E84-426E-40DD-AFC4-6F175D3DCCD1}">
+              <a14:hiddenFill xmlns:a14="http://schemas.microsoft.com/office/drawing/2010/main">
+                <a:solidFill>
+                  <a:schemeClr val="accent1"/>
+                </a:solidFill>
+              </a14:hiddenFill>
+            </a:ext>
+          </a:extLst>
+        </p:spPr>
+        <p:style>
+          <a:lnRef idx="2">
+            <a:schemeClr val="accent1">
+              <a:shade val="50000"/>
+            </a:schemeClr>
+          </a:lnRef>
+          <a:fillRef idx="1">
+            <a:schemeClr val="accent1"/>
+          </a:fillRef>
+          <a:effectRef idx="0">
+            <a:schemeClr val="accent1"/>
+          </a:effectRef>
+          <a:fontRef idx="minor">
+            <a:schemeClr val="lt1"/>
+          </a:fontRef>
+        </p:style>
+        <p:txBody>
+          <a:bodyPr rtlCol="0" anchor="t" anchorCtr="false"/>
+          <a:p>
+            <a:pPr algn="ctr"/>
+            <a:r>
+              <a:rPr lang="en-US" altLang="en-US" b="1">
+                <a:solidFill>
+                  <a:srgbClr val="2C3E50"/>
+                </a:solidFill>
+              </a:rPr>
+              <a:t>acpi_namespace_node</a:t>
+            </a:r>
+            <a:endParaRPr lang="en-US" altLang="en-US" b="1">
+              <a:solidFill>
+                <a:srgbClr val="2C3E50"/>
+              </a:solidFill>
+            </a:endParaRPr>
+          </a:p>
+        </p:txBody>
+      </p:sp>
+      <p:sp>
+        <p:nvSpPr>
+          <p:cNvPr id="7" name="矩形 6"/>
+          <p:cNvSpPr/>
+          <p:nvPr/>
+        </p:nvSpPr>
+        <p:spPr>
+          <a:xfrm>
+            <a:off x="450850" y="5970905"/>
+            <a:ext cx="1321435" cy="429260"/>
+          </a:xfrm>
+          <a:prstGeom prst="rect">
+            <a:avLst/>
+          </a:prstGeom>
+          <a:noFill/>
+          <a:ln w="38100">
+            <a:solidFill>
+              <a:srgbClr val="2C3E50"/>
+            </a:solidFill>
+          </a:ln>
+          <a:extLst>
+            <a:ext uri="{909E8E84-426E-40DD-AFC4-6F175D3DCCD1}">
+              <a14:hiddenFill xmlns:a14="http://schemas.microsoft.com/office/drawing/2010/main">
+                <a:solidFill>
+                  <a:schemeClr val="accent1"/>
+                </a:solidFill>
+              </a14:hiddenFill>
+            </a:ext>
+          </a:extLst>
+        </p:spPr>
+        <p:style>
+          <a:lnRef idx="2">
+            <a:schemeClr val="accent1">
+              <a:shade val="50000"/>
+            </a:schemeClr>
+          </a:lnRef>
+          <a:fillRef idx="1">
+            <a:schemeClr val="accent1"/>
+          </a:fillRef>
+          <a:effectRef idx="0">
+            <a:schemeClr val="accent1"/>
+          </a:effectRef>
+          <a:fontRef idx="minor">
+            <a:schemeClr val="lt1"/>
+          </a:fontRef>
+        </p:style>
+        <p:txBody>
+          <a:bodyPr rtlCol="0" anchor="t" anchorCtr="false"/>
+          <a:p>
+            <a:pPr algn="ctr"/>
+            <a:r>
+              <a:rPr lang="en-US" altLang="en-US" b="1">
+                <a:solidFill>
+                  <a:srgbClr val="2C3E50"/>
+                </a:solidFill>
+              </a:rPr>
+              <a:t>prarent</a:t>
+            </a:r>
+            <a:endParaRPr lang="en-US" altLang="en-US" b="1">
+              <a:solidFill>
+                <a:srgbClr val="2C3E50"/>
+              </a:solidFill>
+            </a:endParaRPr>
+          </a:p>
+        </p:txBody>
+      </p:sp>
+      <p:sp>
+        <p:nvSpPr>
+          <p:cNvPr id="8" name="矩形 7"/>
+          <p:cNvSpPr/>
+          <p:nvPr/>
+        </p:nvSpPr>
+        <p:spPr>
+          <a:xfrm>
+            <a:off x="2050415" y="5970905"/>
+            <a:ext cx="1136650" cy="429260"/>
+          </a:xfrm>
+          <a:prstGeom prst="rect">
+            <a:avLst/>
+          </a:prstGeom>
+          <a:noFill/>
+          <a:ln w="38100">
+            <a:solidFill>
+              <a:srgbClr val="2C3E50"/>
+            </a:solidFill>
+          </a:ln>
+          <a:extLst>
+            <a:ext uri="{909E8E84-426E-40DD-AFC4-6F175D3DCCD1}">
+              <a14:hiddenFill xmlns:a14="http://schemas.microsoft.com/office/drawing/2010/main">
+                <a:solidFill>
+                  <a:schemeClr val="accent1"/>
+                </a:solidFill>
+              </a14:hiddenFill>
+            </a:ext>
+          </a:extLst>
+        </p:spPr>
+        <p:style>
+          <a:lnRef idx="2">
+            <a:schemeClr val="accent1">
+              <a:shade val="50000"/>
+            </a:schemeClr>
+          </a:lnRef>
+          <a:fillRef idx="1">
+            <a:schemeClr val="accent1"/>
+          </a:fillRef>
+          <a:effectRef idx="0">
+            <a:schemeClr val="accent1"/>
+          </a:effectRef>
+          <a:fontRef idx="minor">
+            <a:schemeClr val="lt1"/>
+          </a:fontRef>
+        </p:style>
+        <p:txBody>
+          <a:bodyPr rtlCol="0" anchor="t" anchorCtr="false"/>
+          <a:p>
+            <a:pPr algn="ctr"/>
+            <a:r>
+              <a:rPr lang="en-US" altLang="en-US" b="1">
+                <a:solidFill>
+                  <a:srgbClr val="2C3E50"/>
+                </a:solidFill>
+              </a:rPr>
+              <a:t>perrs</a:t>
+            </a:r>
+            <a:endParaRPr lang="en-US" altLang="en-US" b="1">
+              <a:solidFill>
+                <a:srgbClr val="2C3E50"/>
+              </a:solidFill>
+            </a:endParaRPr>
+          </a:p>
+        </p:txBody>
+      </p:sp>
+      <p:sp>
+        <p:nvSpPr>
+          <p:cNvPr id="9" name="矩形 8"/>
+          <p:cNvSpPr/>
+          <p:nvPr/>
+        </p:nvSpPr>
+        <p:spPr>
+          <a:xfrm>
+            <a:off x="3515995" y="5172075"/>
+            <a:ext cx="3070225" cy="1421130"/>
+          </a:xfrm>
+          <a:prstGeom prst="rect">
+            <a:avLst/>
+          </a:prstGeom>
+          <a:noFill/>
+          <a:ln w="38100">
+            <a:solidFill>
+              <a:srgbClr val="2C3E50"/>
+            </a:solidFill>
+          </a:ln>
+          <a:extLst>
+            <a:ext uri="{909E8E84-426E-40DD-AFC4-6F175D3DCCD1}">
+              <a14:hiddenFill xmlns:a14="http://schemas.microsoft.com/office/drawing/2010/main">
+                <a:solidFill>
+                  <a:schemeClr val="accent1"/>
+                </a:solidFill>
+              </a14:hiddenFill>
+            </a:ext>
+          </a:extLst>
+        </p:spPr>
+        <p:style>
+          <a:lnRef idx="2">
+            <a:schemeClr val="accent1">
+              <a:shade val="50000"/>
+            </a:schemeClr>
+          </a:lnRef>
+          <a:fillRef idx="1">
+            <a:schemeClr val="accent1"/>
+          </a:fillRef>
+          <a:effectRef idx="0">
+            <a:schemeClr val="accent1"/>
+          </a:effectRef>
+          <a:fontRef idx="minor">
+            <a:schemeClr val="lt1"/>
+          </a:fontRef>
+        </p:style>
+        <p:txBody>
+          <a:bodyPr rtlCol="0" anchor="t" anchorCtr="false"/>
+          <a:p>
+            <a:pPr algn="ctr"/>
+            <a:r>
+              <a:rPr lang="en-US" altLang="en-US" b="1">
+                <a:solidFill>
+                  <a:srgbClr val="2C3E50"/>
+                </a:solidFill>
+              </a:rPr>
+              <a:t>acpi_namespace_node</a:t>
+            </a:r>
+            <a:endParaRPr lang="en-US" altLang="en-US" b="1">
+              <a:solidFill>
+                <a:srgbClr val="2C3E50"/>
+              </a:solidFill>
+            </a:endParaRPr>
+          </a:p>
+        </p:txBody>
+      </p:sp>
+      <p:sp>
+        <p:nvSpPr>
+          <p:cNvPr id="10" name="矩形 9"/>
+          <p:cNvSpPr/>
+          <p:nvPr/>
+        </p:nvSpPr>
+        <p:spPr>
+          <a:xfrm>
+            <a:off x="3641090" y="5970905"/>
+            <a:ext cx="1321435" cy="429260"/>
+          </a:xfrm>
+          <a:prstGeom prst="rect">
+            <a:avLst/>
+          </a:prstGeom>
+          <a:noFill/>
+          <a:ln w="38100">
+            <a:solidFill>
+              <a:srgbClr val="2C3E50"/>
+            </a:solidFill>
+          </a:ln>
+          <a:extLst>
+            <a:ext uri="{909E8E84-426E-40DD-AFC4-6F175D3DCCD1}">
+              <a14:hiddenFill xmlns:a14="http://schemas.microsoft.com/office/drawing/2010/main">
+                <a:solidFill>
+                  <a:schemeClr val="accent1"/>
+                </a:solidFill>
+              </a14:hiddenFill>
+            </a:ext>
+          </a:extLst>
+        </p:spPr>
+        <p:style>
+          <a:lnRef idx="2">
+            <a:schemeClr val="accent1">
+              <a:shade val="50000"/>
+            </a:schemeClr>
+          </a:lnRef>
+          <a:fillRef idx="1">
+            <a:schemeClr val="accent1"/>
+          </a:fillRef>
+          <a:effectRef idx="0">
+            <a:schemeClr val="accent1"/>
+          </a:effectRef>
+          <a:fontRef idx="minor">
+            <a:schemeClr val="lt1"/>
+          </a:fontRef>
+        </p:style>
+        <p:txBody>
+          <a:bodyPr rtlCol="0" anchor="t" anchorCtr="false"/>
+          <a:p>
+            <a:pPr algn="ctr"/>
+            <a:r>
+              <a:rPr lang="en-US" altLang="en-US" b="1">
+                <a:solidFill>
+                  <a:srgbClr val="2C3E50"/>
+                </a:solidFill>
+              </a:rPr>
+              <a:t>prarent</a:t>
+            </a:r>
+            <a:endParaRPr lang="en-US" altLang="en-US" b="1">
+              <a:solidFill>
+                <a:srgbClr val="2C3E50"/>
+              </a:solidFill>
+            </a:endParaRPr>
+          </a:p>
+        </p:txBody>
+      </p:sp>
+      <p:sp>
+        <p:nvSpPr>
+          <p:cNvPr id="11" name="矩形 10"/>
+          <p:cNvSpPr/>
+          <p:nvPr/>
+        </p:nvSpPr>
+        <p:spPr>
+          <a:xfrm>
+            <a:off x="5240655" y="5970905"/>
+            <a:ext cx="1136650" cy="429260"/>
+          </a:xfrm>
+          <a:prstGeom prst="rect">
+            <a:avLst/>
+          </a:prstGeom>
+          <a:noFill/>
+          <a:ln w="38100">
+            <a:solidFill>
+              <a:srgbClr val="2C3E50"/>
+            </a:solidFill>
+          </a:ln>
+          <a:extLst>
+            <a:ext uri="{909E8E84-426E-40DD-AFC4-6F175D3DCCD1}">
+              <a14:hiddenFill xmlns:a14="http://schemas.microsoft.com/office/drawing/2010/main">
+                <a:solidFill>
+                  <a:schemeClr val="accent1"/>
+                </a:solidFill>
+              </a14:hiddenFill>
+            </a:ext>
+          </a:extLst>
+        </p:spPr>
+        <p:style>
+          <a:lnRef idx="2">
+            <a:schemeClr val="accent1">
+              <a:shade val="50000"/>
+            </a:schemeClr>
+          </a:lnRef>
+          <a:fillRef idx="1">
+            <a:schemeClr val="accent1"/>
+          </a:fillRef>
+          <a:effectRef idx="0">
+            <a:schemeClr val="accent1"/>
+          </a:effectRef>
+          <a:fontRef idx="minor">
+            <a:schemeClr val="lt1"/>
+          </a:fontRef>
+        </p:style>
+        <p:txBody>
+          <a:bodyPr rtlCol="0" anchor="t" anchorCtr="false"/>
+          <a:p>
+            <a:pPr algn="ctr"/>
+            <a:r>
+              <a:rPr lang="en-US" altLang="en-US" b="1">
+                <a:solidFill>
+                  <a:srgbClr val="2C3E50"/>
+                </a:solidFill>
+              </a:rPr>
+              <a:t>perrs</a:t>
+            </a:r>
+            <a:endParaRPr lang="en-US" altLang="en-US" b="1">
+              <a:solidFill>
+                <a:srgbClr val="2C3E50"/>
+              </a:solidFill>
+            </a:endParaRPr>
+          </a:p>
+        </p:txBody>
+      </p:sp>
+      <p:cxnSp>
+        <p:nvCxnSpPr>
+          <p:cNvPr id="12" name="肘形连接符 11"/>
+          <p:cNvCxnSpPr>
+            <a:stCxn id="7" idx="1"/>
+            <a:endCxn id="6" idx="1"/>
+          </p:cNvCxnSpPr>
+          <p:nvPr/>
+        </p:nvCxnSpPr>
+        <p:spPr>
+          <a:xfrm rot="10800000" flipH="true">
+            <a:off x="450215" y="3517265"/>
+            <a:ext cx="286385" cy="2668270"/>
+          </a:xfrm>
+          <a:prstGeom prst="bentConnector3">
+            <a:avLst>
+              <a:gd name="adj1" fmla="val -83149"/>
+            </a:avLst>
+          </a:prstGeom>
+          <a:ln w="38100">
+            <a:solidFill>
+              <a:srgbClr val="3EAF7C"/>
+            </a:solidFill>
+            <a:tailEnd type="arrow"/>
+          </a:ln>
+        </p:spPr>
+        <p:style>
+          <a:lnRef idx="1">
+            <a:schemeClr val="accent1"/>
+          </a:lnRef>
+          <a:fillRef idx="0">
+            <a:schemeClr val="accent1"/>
+          </a:fillRef>
+          <a:effectRef idx="0">
+            <a:schemeClr val="accent1"/>
+          </a:effectRef>
+          <a:fontRef idx="minor">
+            <a:schemeClr val="tx1"/>
+          </a:fontRef>
+        </p:style>
+      </p:cxnSp>
+      <p:cxnSp>
+        <p:nvCxnSpPr>
+          <p:cNvPr id="13" name="肘形连接符 12"/>
+          <p:cNvCxnSpPr>
+            <a:stCxn id="4" idx="2"/>
+            <a:endCxn id="9" idx="0"/>
+          </p:cNvCxnSpPr>
+          <p:nvPr/>
+        </p:nvCxnSpPr>
+        <p:spPr>
+          <a:xfrm rot="5400000" flipV="true">
+            <a:off x="2867025" y="2987675"/>
+            <a:ext cx="1153160" cy="3215640"/>
+          </a:xfrm>
+          <a:prstGeom prst="bentConnector3">
+            <a:avLst>
+              <a:gd name="adj1" fmla="val 50000"/>
+            </a:avLst>
+          </a:prstGeom>
+          <a:ln w="38100">
+            <a:solidFill>
+              <a:srgbClr val="3EAF7C"/>
+            </a:solidFill>
+            <a:tailEnd type="arrow"/>
+          </a:ln>
+        </p:spPr>
+        <p:style>
+          <a:lnRef idx="1">
+            <a:schemeClr val="accent1"/>
+          </a:lnRef>
+          <a:fillRef idx="0">
+            <a:schemeClr val="accent1"/>
+          </a:fillRef>
+          <a:effectRef idx="0">
+            <a:schemeClr val="accent1"/>
+          </a:effectRef>
+          <a:fontRef idx="minor">
+            <a:schemeClr val="tx1"/>
+          </a:fontRef>
+        </p:style>
+      </p:cxnSp>
+      <p:cxnSp>
+        <p:nvCxnSpPr>
+          <p:cNvPr id="15" name="肘形连接符 14"/>
+          <p:cNvCxnSpPr>
+            <a:stCxn id="11" idx="2"/>
+            <a:endCxn id="5" idx="2"/>
+          </p:cNvCxnSpPr>
+          <p:nvPr/>
+        </p:nvCxnSpPr>
+        <p:spPr>
+          <a:xfrm rot="5400000">
+            <a:off x="3738245" y="4522470"/>
+            <a:ext cx="193040" cy="3947795"/>
+          </a:xfrm>
+          <a:prstGeom prst="bentConnector3">
+            <a:avLst>
+              <a:gd name="adj1" fmla="val 223191"/>
+            </a:avLst>
+          </a:prstGeom>
+          <a:ln w="38100">
+            <a:solidFill>
+              <a:srgbClr val="3EAF7C"/>
+            </a:solidFill>
+            <a:tailEnd type="arrow"/>
+          </a:ln>
+        </p:spPr>
+        <p:style>
+          <a:lnRef idx="1">
+            <a:schemeClr val="accent1"/>
+          </a:lnRef>
+          <a:fillRef idx="0">
+            <a:schemeClr val="accent1"/>
+          </a:fillRef>
+          <a:effectRef idx="0">
+            <a:schemeClr val="accent1"/>
+          </a:effectRef>
+          <a:fontRef idx="minor">
+            <a:schemeClr val="tx1"/>
+          </a:fontRef>
+        </p:style>
+      </p:cxnSp>
     </p:spTree>
   </p:cSld>
   <p:clrMapOvr>
@@ -4166,6 +6121,24 @@
         <p:nvPr/>
       </p:nvGrpSpPr>
       <p:grpSpPr/>
+    </p:spTree>
+  </p:cSld>
+  <p:clrMapOvr>
+    <a:masterClrMapping/>
+  </p:clrMapOvr>
+</p:sld>
+</file>
+
+<file path=ppt/slides/slide17.xml><?xml version="1.0" encoding="utf-8"?>
+<p:sld xmlns:a="http://schemas.openxmlformats.org/drawingml/2006/main" xmlns:r="http://schemas.openxmlformats.org/officeDocument/2006/relationships" xmlns:p="http://schemas.openxmlformats.org/presentationml/2006/main">
+  <p:cSld>
+    <p:spTree>
+      <p:nvGrpSpPr>
+        <p:cNvPr id="1" name=""/>
+        <p:cNvGrpSpPr/>
+        <p:nvPr/>
+      </p:nvGrpSpPr>
+      <p:grpSpPr/>
       <p:sp>
         <p:nvSpPr>
           <p:cNvPr id="4" name="文本框 3"/>
@@ -4219,7 +6192,7 @@
 </p:sld>
 </file>
 
-<file path=ppt/slides/slide17.xml><?xml version="1.0" encoding="utf-8"?>
+<file path=ppt/slides/slide18.xml><?xml version="1.0" encoding="utf-8"?>
 <p:sld xmlns:a="http://schemas.openxmlformats.org/drawingml/2006/main" xmlns:r="http://schemas.openxmlformats.org/officeDocument/2006/relationships" xmlns:p="http://schemas.openxmlformats.org/presentationml/2006/main">
   <p:cSld>
     <p:spTree>
@@ -5912,7 +7885,7 @@
 </p:sld>
 </file>
 
-<file path=ppt/slides/slide18.xml><?xml version="1.0" encoding="utf-8"?>
+<file path=ppt/slides/slide19.xml><?xml version="1.0" encoding="utf-8"?>
 <p:sld xmlns:a="http://schemas.openxmlformats.org/drawingml/2006/main" xmlns:r="http://schemas.openxmlformats.org/officeDocument/2006/relationships" xmlns:p="http://schemas.openxmlformats.org/presentationml/2006/main">
   <p:cSld>
     <p:spTree>
@@ -9857,7 +11830,83 @@
 </p:sld>
 </file>
 
-<file path=ppt/slides/slide19.xml><?xml version="1.0" encoding="utf-8"?>
+<file path=ppt/slides/slide2.xml><?xml version="1.0" encoding="utf-8"?>
+<p:sld xmlns:a="http://schemas.openxmlformats.org/drawingml/2006/main" xmlns:r="http://schemas.openxmlformats.org/officeDocument/2006/relationships" xmlns:p="http://schemas.openxmlformats.org/presentationml/2006/main">
+  <p:cSld>
+    <p:spTree>
+      <p:nvGrpSpPr>
+        <p:cNvPr id="1" name=""/>
+        <p:cNvGrpSpPr/>
+        <p:nvPr/>
+      </p:nvGrpSpPr>
+      <p:grpSpPr/>
+      <p:sp>
+        <p:nvSpPr>
+          <p:cNvPr id="6" name="矩形 5"/>
+          <p:cNvSpPr/>
+          <p:nvPr/>
+        </p:nvSpPr>
+        <p:spPr>
+          <a:xfrm>
+            <a:off x="1481455" y="1236345"/>
+            <a:ext cx="1153160" cy="454660"/>
+          </a:xfrm>
+          <a:prstGeom prst="rect">
+            <a:avLst/>
+          </a:prstGeom>
+          <a:noFill/>
+          <a:ln w="38100">
+            <a:solidFill>
+              <a:srgbClr val="2C3E50"/>
+            </a:solidFill>
+          </a:ln>
+          <a:extLst>
+            <a:ext uri="{909E8E84-426E-40DD-AFC4-6F175D3DCCD1}">
+              <a14:hiddenFill xmlns:a14="http://schemas.microsoft.com/office/drawing/2010/main">
+                <a:solidFill>
+                  <a:schemeClr val="accent1"/>
+                </a:solidFill>
+              </a14:hiddenFill>
+            </a:ext>
+          </a:extLst>
+        </p:spPr>
+        <p:style>
+          <a:lnRef idx="2">
+            <a:schemeClr val="accent1">
+              <a:shade val="50000"/>
+            </a:schemeClr>
+          </a:lnRef>
+          <a:fillRef idx="1">
+            <a:schemeClr val="accent1"/>
+          </a:fillRef>
+          <a:effectRef idx="0">
+            <a:schemeClr val="accent1"/>
+          </a:effectRef>
+          <a:fontRef idx="minor">
+            <a:schemeClr val="lt1"/>
+          </a:fontRef>
+        </p:style>
+        <p:txBody>
+          <a:bodyPr rtlCol="0" anchor="ctr"/>
+          <a:p>
+            <a:pPr algn="ctr"/>
+            <a:endParaRPr lang="zh-CN" altLang="en-US" b="1">
+              <a:solidFill>
+                <a:srgbClr val="2C3E50"/>
+              </a:solidFill>
+            </a:endParaRPr>
+          </a:p>
+        </p:txBody>
+      </p:sp>
+    </p:spTree>
+  </p:cSld>
+  <p:clrMapOvr>
+    <a:masterClrMapping/>
+  </p:clrMapOvr>
+</p:sld>
+</file>
+
+<file path=ppt/slides/slide20.xml><?xml version="1.0" encoding="utf-8"?>
 <p:sld xmlns:a="http://schemas.openxmlformats.org/drawingml/2006/main" xmlns:r="http://schemas.openxmlformats.org/officeDocument/2006/relationships" xmlns:p="http://schemas.openxmlformats.org/presentationml/2006/main">
   <p:cSld>
     <p:spTree>
@@ -12647,83 +14696,7 @@
 </p:sld>
 </file>
 
-<file path=ppt/slides/slide2.xml><?xml version="1.0" encoding="utf-8"?>
-<p:sld xmlns:a="http://schemas.openxmlformats.org/drawingml/2006/main" xmlns:r="http://schemas.openxmlformats.org/officeDocument/2006/relationships" xmlns:p="http://schemas.openxmlformats.org/presentationml/2006/main">
-  <p:cSld>
-    <p:spTree>
-      <p:nvGrpSpPr>
-        <p:cNvPr id="1" name=""/>
-        <p:cNvGrpSpPr/>
-        <p:nvPr/>
-      </p:nvGrpSpPr>
-      <p:grpSpPr/>
-      <p:sp>
-        <p:nvSpPr>
-          <p:cNvPr id="6" name="矩形 5"/>
-          <p:cNvSpPr/>
-          <p:nvPr/>
-        </p:nvSpPr>
-        <p:spPr>
-          <a:xfrm>
-            <a:off x="1481455" y="1236345"/>
-            <a:ext cx="1153160" cy="454660"/>
-          </a:xfrm>
-          <a:prstGeom prst="rect">
-            <a:avLst/>
-          </a:prstGeom>
-          <a:noFill/>
-          <a:ln w="38100">
-            <a:solidFill>
-              <a:srgbClr val="2C3E50"/>
-            </a:solidFill>
-          </a:ln>
-          <a:extLst>
-            <a:ext uri="{909E8E84-426E-40DD-AFC4-6F175D3DCCD1}">
-              <a14:hiddenFill xmlns:a14="http://schemas.microsoft.com/office/drawing/2010/main">
-                <a:solidFill>
-                  <a:schemeClr val="accent1"/>
-                </a:solidFill>
-              </a14:hiddenFill>
-            </a:ext>
-          </a:extLst>
-        </p:spPr>
-        <p:style>
-          <a:lnRef idx="2">
-            <a:schemeClr val="accent1">
-              <a:shade val="50000"/>
-            </a:schemeClr>
-          </a:lnRef>
-          <a:fillRef idx="1">
-            <a:schemeClr val="accent1"/>
-          </a:fillRef>
-          <a:effectRef idx="0">
-            <a:schemeClr val="accent1"/>
-          </a:effectRef>
-          <a:fontRef idx="minor">
-            <a:schemeClr val="lt1"/>
-          </a:fontRef>
-        </p:style>
-        <p:txBody>
-          <a:bodyPr rtlCol="0" anchor="ctr"/>
-          <a:p>
-            <a:pPr algn="ctr"/>
-            <a:endParaRPr lang="zh-CN" altLang="en-US" b="1">
-              <a:solidFill>
-                <a:srgbClr val="2C3E50"/>
-              </a:solidFill>
-            </a:endParaRPr>
-          </a:p>
-        </p:txBody>
-      </p:sp>
-    </p:spTree>
-  </p:cSld>
-  <p:clrMapOvr>
-    <a:masterClrMapping/>
-  </p:clrMapOvr>
-</p:sld>
-</file>
-
-<file path=ppt/slides/slide20.xml><?xml version="1.0" encoding="utf-8"?>
+<file path=ppt/slides/slide21.xml><?xml version="1.0" encoding="utf-8"?>
 <p:sld xmlns:a="http://schemas.openxmlformats.org/drawingml/2006/main" xmlns:r="http://schemas.openxmlformats.org/officeDocument/2006/relationships" xmlns:p="http://schemas.openxmlformats.org/presentationml/2006/main">
   <p:cSld>
     <p:spTree>
@@ -15623,7 +17596,7 @@
 </p:sld>
 </file>
 
-<file path=ppt/slides/slide21.xml><?xml version="1.0" encoding="utf-8"?>
+<file path=ppt/slides/slide22.xml><?xml version="1.0" encoding="utf-8"?>
 <p:sld xmlns:a="http://schemas.openxmlformats.org/drawingml/2006/main" xmlns:r="http://schemas.openxmlformats.org/officeDocument/2006/relationships" xmlns:p="http://schemas.openxmlformats.org/presentationml/2006/main">
   <p:cSld>
     <p:spTree>
@@ -16154,7 +18127,7 @@
 </p:sld>
 </file>
 
-<file path=ppt/slides/slide22.xml><?xml version="1.0" encoding="utf-8"?>
+<file path=ppt/slides/slide23.xml><?xml version="1.0" encoding="utf-8"?>
 <p:sld xmlns:a="http://schemas.openxmlformats.org/drawingml/2006/main" xmlns:r="http://schemas.openxmlformats.org/officeDocument/2006/relationships" xmlns:p="http://schemas.openxmlformats.org/presentationml/2006/main">
   <p:cSld>
     <p:spTree>
@@ -16531,7 +18504,7 @@
 </p:sld>
 </file>
 
-<file path=ppt/slides/slide23.xml><?xml version="1.0" encoding="utf-8"?>
+<file path=ppt/slides/slide24.xml><?xml version="1.0" encoding="utf-8"?>
 <p:sld xmlns:a="http://schemas.openxmlformats.org/drawingml/2006/main" xmlns:r="http://schemas.openxmlformats.org/officeDocument/2006/relationships" xmlns:p="http://schemas.openxmlformats.org/presentationml/2006/main">
   <p:cSld>
     <p:spTree>
@@ -16890,7 +18863,7 @@
 </p:sld>
 </file>
 
-<file path=ppt/slides/slide24.xml><?xml version="1.0" encoding="utf-8"?>
+<file path=ppt/slides/slide25.xml><?xml version="1.0" encoding="utf-8"?>
 <p:sld xmlns:a="http://schemas.openxmlformats.org/drawingml/2006/main" xmlns:r="http://schemas.openxmlformats.org/officeDocument/2006/relationships" xmlns:p="http://schemas.openxmlformats.org/presentationml/2006/main">
   <p:cSld>
     <p:spTree>
@@ -19470,7 +21443,7 @@
 </p:sld>
 </file>
 
-<file path=ppt/slides/slide25.xml><?xml version="1.0" encoding="utf-8"?>
+<file path=ppt/slides/slide26.xml><?xml version="1.0" encoding="utf-8"?>
 <p:sld xmlns:a="http://schemas.openxmlformats.org/drawingml/2006/main" xmlns:r="http://schemas.openxmlformats.org/officeDocument/2006/relationships" xmlns:p="http://schemas.openxmlformats.org/presentationml/2006/main">
   <p:cSld>
     <p:spTree>
@@ -19488,7 +21461,7 @@
 </p:sld>
 </file>
 
-<file path=ppt/slides/slide26.xml><?xml version="1.0" encoding="utf-8"?>
+<file path=ppt/slides/slide27.xml><?xml version="1.0" encoding="utf-8"?>
 <p:sld xmlns:a="http://schemas.openxmlformats.org/drawingml/2006/main" xmlns:r="http://schemas.openxmlformats.org/officeDocument/2006/relationships" xmlns:p="http://schemas.openxmlformats.org/presentationml/2006/main">
   <p:cSld>
     <p:spTree>
@@ -22006,24 +23979,6 @@
           </a:fontRef>
         </p:style>
       </p:cxnSp>
-    </p:spTree>
-  </p:cSld>
-  <p:clrMapOvr>
-    <a:masterClrMapping/>
-  </p:clrMapOvr>
-</p:sld>
-</file>
-
-<file path=ppt/slides/slide27.xml><?xml version="1.0" encoding="utf-8"?>
-<p:sld xmlns:a="http://schemas.openxmlformats.org/drawingml/2006/main" xmlns:r="http://schemas.openxmlformats.org/officeDocument/2006/relationships" xmlns:p="http://schemas.openxmlformats.org/presentationml/2006/main">
-  <p:cSld>
-    <p:spTree>
-      <p:nvGrpSpPr>
-        <p:cNvPr id="1" name=""/>
-        <p:cNvGrpSpPr/>
-        <p:nvPr/>
-      </p:nvGrpSpPr>
-      <p:grpSpPr/>
     </p:spTree>
   </p:cSld>
   <p:clrMapOvr>
@@ -22122,6 +24077,24 @@
 </p:sld>
 </file>
 
+<file path=ppt/slides/slide32.xml><?xml version="1.0" encoding="utf-8"?>
+<p:sld xmlns:a="http://schemas.openxmlformats.org/drawingml/2006/main" xmlns:r="http://schemas.openxmlformats.org/officeDocument/2006/relationships" xmlns:p="http://schemas.openxmlformats.org/presentationml/2006/main">
+  <p:cSld>
+    <p:spTree>
+      <p:nvGrpSpPr>
+        <p:cNvPr id="1" name=""/>
+        <p:cNvGrpSpPr/>
+        <p:nvPr/>
+      </p:nvGrpSpPr>
+      <p:grpSpPr/>
+    </p:spTree>
+  </p:cSld>
+  <p:clrMapOvr>
+    <a:masterClrMapping/>
+  </p:clrMapOvr>
+</p:sld>
+</file>
+
 <file path=ppt/slides/slide4.xml><?xml version="1.0" encoding="utf-8"?>
 <p:sld xmlns:a="http://schemas.openxmlformats.org/drawingml/2006/main" xmlns:r="http://schemas.openxmlformats.org/officeDocument/2006/relationships" xmlns:p="http://schemas.openxmlformats.org/presentationml/2006/main">
   <p:cSld>
@@ -22150,6 +24123,1069 @@
         <p:nvPr/>
       </p:nvGrpSpPr>
       <p:grpSpPr/>
+      <p:sp>
+        <p:nvSpPr>
+          <p:cNvPr id="4" name="文本框 3"/>
+          <p:cNvSpPr txBox="true"/>
+          <p:nvPr/>
+        </p:nvSpPr>
+        <p:spPr>
+          <a:xfrm>
+            <a:off x="538480" y="520700"/>
+            <a:ext cx="2931795" cy="460375"/>
+          </a:xfrm>
+          <a:prstGeom prst="rect">
+            <a:avLst/>
+          </a:prstGeom>
+          <a:noFill/>
+        </p:spPr>
+        <p:txBody>
+          <a:bodyPr wrap="none" rtlCol="0">
+            <a:spAutoFit/>
+          </a:bodyPr>
+          <a:p>
+            <a:r>
+              <a:rPr lang="zh-CN" altLang="en-US" sz="2400" b="1">
+                <a:solidFill>
+                  <a:srgbClr val="2C3E50"/>
+                </a:solidFill>
+              </a:rPr>
+              <a:t>中断控制器物理架构</a:t>
+            </a:r>
+            <a:endParaRPr lang="zh-CN" altLang="en-US" sz="2400" b="1">
+              <a:solidFill>
+                <a:srgbClr val="2C3E50"/>
+              </a:solidFill>
+            </a:endParaRPr>
+          </a:p>
+        </p:txBody>
+      </p:sp>
+      <p:sp>
+        <p:nvSpPr>
+          <p:cNvPr id="5" name="矩形 4"/>
+          <p:cNvSpPr/>
+          <p:nvPr/>
+        </p:nvSpPr>
+        <p:spPr>
+          <a:xfrm>
+            <a:off x="2308225" y="1328420"/>
+            <a:ext cx="2011045" cy="614045"/>
+          </a:xfrm>
+          <a:prstGeom prst="rect">
+            <a:avLst/>
+          </a:prstGeom>
+          <a:noFill/>
+          <a:ln w="38100">
+            <a:solidFill>
+              <a:srgbClr val="2C3E50"/>
+            </a:solidFill>
+          </a:ln>
+          <a:extLst>
+            <a:ext uri="{909E8E84-426E-40DD-AFC4-6F175D3DCCD1}">
+              <a14:hiddenFill xmlns:a14="http://schemas.microsoft.com/office/drawing/2010/main">
+                <a:solidFill>
+                  <a:schemeClr val="accent1"/>
+                </a:solidFill>
+              </a14:hiddenFill>
+            </a:ext>
+          </a:extLst>
+        </p:spPr>
+        <p:style>
+          <a:lnRef idx="2">
+            <a:schemeClr val="accent1">
+              <a:shade val="50000"/>
+            </a:schemeClr>
+          </a:lnRef>
+          <a:fillRef idx="1">
+            <a:schemeClr val="accent1"/>
+          </a:fillRef>
+          <a:effectRef idx="0">
+            <a:schemeClr val="accent1"/>
+          </a:effectRef>
+          <a:fontRef idx="minor">
+            <a:schemeClr val="lt1"/>
+          </a:fontRef>
+        </p:style>
+        <p:txBody>
+          <a:bodyPr rtlCol="0" anchor="ctr"/>
+          <a:p>
+            <a:pPr algn="ctr"/>
+            <a:r>
+              <a:rPr lang="en-US" altLang="zh-CN" sz="2000" b="1">
+                <a:solidFill>
+                  <a:srgbClr val="2C3E50"/>
+                </a:solidFill>
+              </a:rPr>
+              <a:t>CPU</a:t>
+            </a:r>
+            <a:endParaRPr lang="en-US" altLang="zh-CN" sz="2000" b="1">
+              <a:solidFill>
+                <a:srgbClr val="2C3E50"/>
+              </a:solidFill>
+            </a:endParaRPr>
+          </a:p>
+        </p:txBody>
+      </p:sp>
+      <p:sp>
+        <p:nvSpPr>
+          <p:cNvPr id="6" name="矩形 5"/>
+          <p:cNvSpPr/>
+          <p:nvPr/>
+        </p:nvSpPr>
+        <p:spPr>
+          <a:xfrm>
+            <a:off x="998855" y="4998085"/>
+            <a:ext cx="1548765" cy="614045"/>
+          </a:xfrm>
+          <a:prstGeom prst="rect">
+            <a:avLst/>
+          </a:prstGeom>
+          <a:noFill/>
+          <a:ln w="38100">
+            <a:solidFill>
+              <a:srgbClr val="2C3E50"/>
+            </a:solidFill>
+          </a:ln>
+          <a:extLst>
+            <a:ext uri="{909E8E84-426E-40DD-AFC4-6F175D3DCCD1}">
+              <a14:hiddenFill xmlns:a14="http://schemas.microsoft.com/office/drawing/2010/main">
+                <a:solidFill>
+                  <a:schemeClr val="accent1"/>
+                </a:solidFill>
+              </a14:hiddenFill>
+            </a:ext>
+          </a:extLst>
+        </p:spPr>
+        <p:style>
+          <a:lnRef idx="2">
+            <a:schemeClr val="accent1">
+              <a:shade val="50000"/>
+            </a:schemeClr>
+          </a:lnRef>
+          <a:fillRef idx="1">
+            <a:schemeClr val="accent1"/>
+          </a:fillRef>
+          <a:effectRef idx="0">
+            <a:schemeClr val="accent1"/>
+          </a:effectRef>
+          <a:fontRef idx="minor">
+            <a:schemeClr val="lt1"/>
+          </a:fontRef>
+        </p:style>
+        <p:txBody>
+          <a:bodyPr rtlCol="0" anchor="ctr"/>
+          <a:p>
+            <a:pPr algn="ctr"/>
+            <a:r>
+              <a:rPr lang="en-US" altLang="zh-CN" sz="2000" b="1">
+                <a:solidFill>
+                  <a:srgbClr val="2C3E50"/>
+                </a:solidFill>
+              </a:rPr>
+              <a:t>CPU0</a:t>
+            </a:r>
+            <a:endParaRPr lang="en-US" altLang="zh-CN" sz="2000" b="1">
+              <a:solidFill>
+                <a:srgbClr val="2C3E50"/>
+              </a:solidFill>
+            </a:endParaRPr>
+          </a:p>
+        </p:txBody>
+      </p:sp>
+      <p:sp>
+        <p:nvSpPr>
+          <p:cNvPr id="7" name="矩形 6"/>
+          <p:cNvSpPr/>
+          <p:nvPr/>
+        </p:nvSpPr>
+        <p:spPr>
+          <a:xfrm>
+            <a:off x="2308225" y="2582545"/>
+            <a:ext cx="2011045" cy="614045"/>
+          </a:xfrm>
+          <a:prstGeom prst="rect">
+            <a:avLst/>
+          </a:prstGeom>
+          <a:noFill/>
+          <a:ln w="38100">
+            <a:solidFill>
+              <a:srgbClr val="2C3E50"/>
+            </a:solidFill>
+          </a:ln>
+          <a:extLst>
+            <a:ext uri="{909E8E84-426E-40DD-AFC4-6F175D3DCCD1}">
+              <a14:hiddenFill xmlns:a14="http://schemas.microsoft.com/office/drawing/2010/main">
+                <a:solidFill>
+                  <a:schemeClr val="accent1"/>
+                </a:solidFill>
+              </a14:hiddenFill>
+            </a:ext>
+          </a:extLst>
+        </p:spPr>
+        <p:style>
+          <a:lnRef idx="2">
+            <a:schemeClr val="accent1">
+              <a:shade val="50000"/>
+            </a:schemeClr>
+          </a:lnRef>
+          <a:fillRef idx="1">
+            <a:schemeClr val="accent1"/>
+          </a:fillRef>
+          <a:effectRef idx="0">
+            <a:schemeClr val="accent1"/>
+          </a:effectRef>
+          <a:fontRef idx="minor">
+            <a:schemeClr val="lt1"/>
+          </a:fontRef>
+        </p:style>
+        <p:txBody>
+          <a:bodyPr rtlCol="0" anchor="ctr"/>
+          <a:p>
+            <a:pPr algn="ctr"/>
+            <a:r>
+              <a:rPr lang="en-US" altLang="zh-CN" sz="2000" b="1">
+                <a:solidFill>
+                  <a:srgbClr val="2C3E50"/>
+                </a:solidFill>
+              </a:rPr>
+              <a:t>PIC</a:t>
+            </a:r>
+            <a:endParaRPr lang="en-US" altLang="zh-CN" sz="2000" b="1">
+              <a:solidFill>
+                <a:srgbClr val="2C3E50"/>
+              </a:solidFill>
+            </a:endParaRPr>
+          </a:p>
+        </p:txBody>
+      </p:sp>
+      <p:sp>
+        <p:nvSpPr>
+          <p:cNvPr id="8" name="矩形 7"/>
+          <p:cNvSpPr/>
+          <p:nvPr/>
+        </p:nvSpPr>
+        <p:spPr>
+          <a:xfrm>
+            <a:off x="767715" y="6142355"/>
+            <a:ext cx="5132070" cy="2792730"/>
+          </a:xfrm>
+          <a:prstGeom prst="rect">
+            <a:avLst/>
+          </a:prstGeom>
+          <a:noFill/>
+          <a:ln w="38100">
+            <a:solidFill>
+              <a:srgbClr val="2C3E50"/>
+            </a:solidFill>
+          </a:ln>
+          <a:extLst>
+            <a:ext uri="{909E8E84-426E-40DD-AFC4-6F175D3DCCD1}">
+              <a14:hiddenFill xmlns:a14="http://schemas.microsoft.com/office/drawing/2010/main">
+                <a:solidFill>
+                  <a:schemeClr val="accent1"/>
+                </a:solidFill>
+              </a14:hiddenFill>
+            </a:ext>
+          </a:extLst>
+        </p:spPr>
+        <p:style>
+          <a:lnRef idx="2">
+            <a:schemeClr val="accent1">
+              <a:shade val="50000"/>
+            </a:schemeClr>
+          </a:lnRef>
+          <a:fillRef idx="1">
+            <a:schemeClr val="accent1"/>
+          </a:fillRef>
+          <a:effectRef idx="0">
+            <a:schemeClr val="accent1"/>
+          </a:effectRef>
+          <a:fontRef idx="minor">
+            <a:schemeClr val="lt1"/>
+          </a:fontRef>
+        </p:style>
+        <p:txBody>
+          <a:bodyPr rtlCol="0" anchor="t" anchorCtr="false"/>
+          <a:p>
+            <a:pPr algn="l"/>
+            <a:r>
+              <a:rPr lang="en-US" altLang="zh-CN" sz="2000" b="1">
+                <a:solidFill>
+                  <a:srgbClr val="2C3E50"/>
+                </a:solidFill>
+              </a:rPr>
+              <a:t>APIC</a:t>
+            </a:r>
+            <a:endParaRPr lang="en-US" altLang="zh-CN" sz="2000" b="1">
+              <a:solidFill>
+                <a:srgbClr val="2C3E50"/>
+              </a:solidFill>
+            </a:endParaRPr>
+          </a:p>
+        </p:txBody>
+      </p:sp>
+      <p:sp>
+        <p:nvSpPr>
+          <p:cNvPr id="9" name="矩形 8"/>
+          <p:cNvSpPr/>
+          <p:nvPr/>
+        </p:nvSpPr>
+        <p:spPr>
+          <a:xfrm>
+            <a:off x="4070985" y="4998085"/>
+            <a:ext cx="1548765" cy="614045"/>
+          </a:xfrm>
+          <a:prstGeom prst="rect">
+            <a:avLst/>
+          </a:prstGeom>
+          <a:noFill/>
+          <a:ln w="38100">
+            <a:solidFill>
+              <a:srgbClr val="2C3E50"/>
+            </a:solidFill>
+          </a:ln>
+          <a:extLst>
+            <a:ext uri="{909E8E84-426E-40DD-AFC4-6F175D3DCCD1}">
+              <a14:hiddenFill xmlns:a14="http://schemas.microsoft.com/office/drawing/2010/main">
+                <a:solidFill>
+                  <a:schemeClr val="accent1"/>
+                </a:solidFill>
+              </a14:hiddenFill>
+            </a:ext>
+          </a:extLst>
+        </p:spPr>
+        <p:style>
+          <a:lnRef idx="2">
+            <a:schemeClr val="accent1">
+              <a:shade val="50000"/>
+            </a:schemeClr>
+          </a:lnRef>
+          <a:fillRef idx="1">
+            <a:schemeClr val="accent1"/>
+          </a:fillRef>
+          <a:effectRef idx="0">
+            <a:schemeClr val="accent1"/>
+          </a:effectRef>
+          <a:fontRef idx="minor">
+            <a:schemeClr val="lt1"/>
+          </a:fontRef>
+        </p:style>
+        <p:txBody>
+          <a:bodyPr rtlCol="0" anchor="ctr"/>
+          <a:p>
+            <a:pPr algn="ctr"/>
+            <a:r>
+              <a:rPr lang="en-US" altLang="zh-CN" sz="2000" b="1">
+                <a:solidFill>
+                  <a:srgbClr val="2C3E50"/>
+                </a:solidFill>
+              </a:rPr>
+              <a:t>CPU4</a:t>
+            </a:r>
+            <a:endParaRPr lang="en-US" altLang="zh-CN" sz="2000" b="1">
+              <a:solidFill>
+                <a:srgbClr val="2C3E50"/>
+              </a:solidFill>
+            </a:endParaRPr>
+          </a:p>
+        </p:txBody>
+      </p:sp>
+      <p:sp>
+        <p:nvSpPr>
+          <p:cNvPr id="11" name="矩形 10"/>
+          <p:cNvSpPr/>
+          <p:nvPr/>
+        </p:nvSpPr>
+        <p:spPr>
+          <a:xfrm>
+            <a:off x="999490" y="6799580"/>
+            <a:ext cx="1548130" cy="614045"/>
+          </a:xfrm>
+          <a:prstGeom prst="rect">
+            <a:avLst/>
+          </a:prstGeom>
+          <a:noFill/>
+          <a:ln w="38100">
+            <a:solidFill>
+              <a:srgbClr val="2C3E50"/>
+            </a:solidFill>
+          </a:ln>
+          <a:extLst>
+            <a:ext uri="{909E8E84-426E-40DD-AFC4-6F175D3DCCD1}">
+              <a14:hiddenFill xmlns:a14="http://schemas.microsoft.com/office/drawing/2010/main">
+                <a:solidFill>
+                  <a:schemeClr val="accent1"/>
+                </a:solidFill>
+              </a14:hiddenFill>
+            </a:ext>
+          </a:extLst>
+        </p:spPr>
+        <p:style>
+          <a:lnRef idx="2">
+            <a:schemeClr val="accent1">
+              <a:shade val="50000"/>
+            </a:schemeClr>
+          </a:lnRef>
+          <a:fillRef idx="1">
+            <a:schemeClr val="accent1"/>
+          </a:fillRef>
+          <a:effectRef idx="0">
+            <a:schemeClr val="accent1"/>
+          </a:effectRef>
+          <a:fontRef idx="minor">
+            <a:schemeClr val="lt1"/>
+          </a:fontRef>
+        </p:style>
+        <p:txBody>
+          <a:bodyPr rtlCol="0" anchor="ctr"/>
+          <a:p>
+            <a:pPr algn="ctr"/>
+            <a:r>
+              <a:rPr lang="en-US" altLang="zh-CN" sz="2000" b="1">
+                <a:solidFill>
+                  <a:srgbClr val="2C3E50"/>
+                </a:solidFill>
+              </a:rPr>
+              <a:t>PIC0</a:t>
+            </a:r>
+            <a:endParaRPr lang="en-US" altLang="zh-CN" sz="2000" b="1">
+              <a:solidFill>
+                <a:srgbClr val="2C3E50"/>
+              </a:solidFill>
+            </a:endParaRPr>
+          </a:p>
+        </p:txBody>
+      </p:sp>
+      <p:sp>
+        <p:nvSpPr>
+          <p:cNvPr id="12" name="文本框 11"/>
+          <p:cNvSpPr txBox="true"/>
+          <p:nvPr/>
+        </p:nvSpPr>
+        <p:spPr>
+          <a:xfrm>
+            <a:off x="3076575" y="4859655"/>
+            <a:ext cx="704850" cy="645160"/>
+          </a:xfrm>
+          <a:prstGeom prst="rect">
+            <a:avLst/>
+          </a:prstGeom>
+          <a:noFill/>
+        </p:spPr>
+        <p:txBody>
+          <a:bodyPr wrap="none" rtlCol="0">
+            <a:spAutoFit/>
+          </a:bodyPr>
+          <a:p>
+            <a:r>
+              <a:rPr lang="en-US" altLang="zh-CN" sz="3600" b="1">
+                <a:solidFill>
+                  <a:srgbClr val="2C3E50"/>
+                </a:solidFill>
+              </a:rPr>
+              <a:t>...</a:t>
+            </a:r>
+            <a:endParaRPr lang="en-US" altLang="zh-CN" sz="3600" b="1">
+              <a:solidFill>
+                <a:srgbClr val="2C3E50"/>
+              </a:solidFill>
+            </a:endParaRPr>
+          </a:p>
+        </p:txBody>
+      </p:sp>
+      <p:sp>
+        <p:nvSpPr>
+          <p:cNvPr id="13" name="文本框 12"/>
+          <p:cNvSpPr txBox="true"/>
+          <p:nvPr/>
+        </p:nvSpPr>
+        <p:spPr>
+          <a:xfrm>
+            <a:off x="3076575" y="6632575"/>
+            <a:ext cx="704850" cy="645160"/>
+          </a:xfrm>
+          <a:prstGeom prst="rect">
+            <a:avLst/>
+          </a:prstGeom>
+          <a:noFill/>
+        </p:spPr>
+        <p:txBody>
+          <a:bodyPr wrap="none" rtlCol="0">
+            <a:spAutoFit/>
+          </a:bodyPr>
+          <a:p>
+            <a:r>
+              <a:rPr lang="en-US" altLang="zh-CN" sz="3600" b="1">
+                <a:solidFill>
+                  <a:srgbClr val="2C3E50"/>
+                </a:solidFill>
+              </a:rPr>
+              <a:t>...</a:t>
+            </a:r>
+            <a:endParaRPr lang="en-US" altLang="zh-CN" sz="3600" b="1">
+              <a:solidFill>
+                <a:srgbClr val="2C3E50"/>
+              </a:solidFill>
+            </a:endParaRPr>
+          </a:p>
+        </p:txBody>
+      </p:sp>
+      <p:sp>
+        <p:nvSpPr>
+          <p:cNvPr id="14" name="矩形 13"/>
+          <p:cNvSpPr/>
+          <p:nvPr/>
+        </p:nvSpPr>
+        <p:spPr>
+          <a:xfrm>
+            <a:off x="4070985" y="6799580"/>
+            <a:ext cx="1548130" cy="614045"/>
+          </a:xfrm>
+          <a:prstGeom prst="rect">
+            <a:avLst/>
+          </a:prstGeom>
+          <a:noFill/>
+          <a:ln w="38100">
+            <a:solidFill>
+              <a:srgbClr val="2C3E50"/>
+            </a:solidFill>
+          </a:ln>
+          <a:extLst>
+            <a:ext uri="{909E8E84-426E-40DD-AFC4-6F175D3DCCD1}">
+              <a14:hiddenFill xmlns:a14="http://schemas.microsoft.com/office/drawing/2010/main">
+                <a:solidFill>
+                  <a:schemeClr val="accent1"/>
+                </a:solidFill>
+              </a14:hiddenFill>
+            </a:ext>
+          </a:extLst>
+        </p:spPr>
+        <p:style>
+          <a:lnRef idx="2">
+            <a:schemeClr val="accent1">
+              <a:shade val="50000"/>
+            </a:schemeClr>
+          </a:lnRef>
+          <a:fillRef idx="1">
+            <a:schemeClr val="accent1"/>
+          </a:fillRef>
+          <a:effectRef idx="0">
+            <a:schemeClr val="accent1"/>
+          </a:effectRef>
+          <a:fontRef idx="minor">
+            <a:schemeClr val="lt1"/>
+          </a:fontRef>
+        </p:style>
+        <p:txBody>
+          <a:bodyPr rtlCol="0" anchor="ctr"/>
+          <a:p>
+            <a:pPr algn="ctr"/>
+            <a:r>
+              <a:rPr lang="en-US" altLang="zh-CN" sz="2000" b="1">
+                <a:solidFill>
+                  <a:srgbClr val="2C3E50"/>
+                </a:solidFill>
+              </a:rPr>
+              <a:t>PIC0</a:t>
+            </a:r>
+            <a:endParaRPr lang="en-US" altLang="zh-CN" sz="2000" b="1">
+              <a:solidFill>
+                <a:srgbClr val="2C3E50"/>
+              </a:solidFill>
+            </a:endParaRPr>
+          </a:p>
+        </p:txBody>
+      </p:sp>
+      <p:sp>
+        <p:nvSpPr>
+          <p:cNvPr id="15" name="矩形 14"/>
+          <p:cNvSpPr/>
+          <p:nvPr/>
+        </p:nvSpPr>
+        <p:spPr>
+          <a:xfrm>
+            <a:off x="984250" y="7680960"/>
+            <a:ext cx="4678680" cy="294005"/>
+          </a:xfrm>
+          <a:prstGeom prst="rect">
+            <a:avLst/>
+          </a:prstGeom>
+          <a:noFill/>
+          <a:ln w="28575">
+            <a:solidFill>
+              <a:srgbClr val="2C3E50"/>
+            </a:solidFill>
+          </a:ln>
+          <a:extLst>
+            <a:ext uri="{909E8E84-426E-40DD-AFC4-6F175D3DCCD1}">
+              <a14:hiddenFill xmlns:a14="http://schemas.microsoft.com/office/drawing/2010/main">
+                <a:solidFill>
+                  <a:schemeClr val="accent1"/>
+                </a:solidFill>
+              </a14:hiddenFill>
+            </a:ext>
+          </a:extLst>
+        </p:spPr>
+        <p:style>
+          <a:lnRef idx="2">
+            <a:schemeClr val="accent1">
+              <a:shade val="50000"/>
+            </a:schemeClr>
+          </a:lnRef>
+          <a:fillRef idx="1">
+            <a:schemeClr val="accent1"/>
+          </a:fillRef>
+          <a:effectRef idx="0">
+            <a:schemeClr val="accent1"/>
+          </a:effectRef>
+          <a:fontRef idx="minor">
+            <a:schemeClr val="lt1"/>
+          </a:fontRef>
+        </p:style>
+        <p:txBody>
+          <a:bodyPr rtlCol="0" anchor="ctr"/>
+          <a:p>
+            <a:pPr algn="ctr"/>
+            <a:r>
+              <a:rPr lang="en-US" altLang="zh-CN" b="1">
+                <a:solidFill>
+                  <a:srgbClr val="2C3E50"/>
+                </a:solidFill>
+              </a:rPr>
+              <a:t>bus</a:t>
+            </a:r>
+            <a:endParaRPr lang="en-US" altLang="zh-CN" b="1">
+              <a:solidFill>
+                <a:srgbClr val="2C3E50"/>
+              </a:solidFill>
+            </a:endParaRPr>
+          </a:p>
+        </p:txBody>
+      </p:sp>
+      <p:sp>
+        <p:nvSpPr>
+          <p:cNvPr id="16" name="矩形 15"/>
+          <p:cNvSpPr/>
+          <p:nvPr/>
+        </p:nvSpPr>
+        <p:spPr>
+          <a:xfrm>
+            <a:off x="2562860" y="8188325"/>
+            <a:ext cx="1548130" cy="614045"/>
+          </a:xfrm>
+          <a:prstGeom prst="rect">
+            <a:avLst/>
+          </a:prstGeom>
+          <a:noFill/>
+          <a:ln w="38100">
+            <a:solidFill>
+              <a:srgbClr val="2C3E50"/>
+            </a:solidFill>
+          </a:ln>
+          <a:extLst>
+            <a:ext uri="{909E8E84-426E-40DD-AFC4-6F175D3DCCD1}">
+              <a14:hiddenFill xmlns:a14="http://schemas.microsoft.com/office/drawing/2010/main">
+                <a:solidFill>
+                  <a:schemeClr val="accent1"/>
+                </a:solidFill>
+              </a14:hiddenFill>
+            </a:ext>
+          </a:extLst>
+        </p:spPr>
+        <p:style>
+          <a:lnRef idx="2">
+            <a:schemeClr val="accent1">
+              <a:shade val="50000"/>
+            </a:schemeClr>
+          </a:lnRef>
+          <a:fillRef idx="1">
+            <a:schemeClr val="accent1"/>
+          </a:fillRef>
+          <a:effectRef idx="0">
+            <a:schemeClr val="accent1"/>
+          </a:effectRef>
+          <a:fontRef idx="minor">
+            <a:schemeClr val="lt1"/>
+          </a:fontRef>
+        </p:style>
+        <p:txBody>
+          <a:bodyPr rtlCol="0" anchor="ctr"/>
+          <a:p>
+            <a:pPr algn="ctr"/>
+            <a:r>
+              <a:rPr lang="en-US" altLang="en-US" sz="2000" b="1">
+                <a:solidFill>
+                  <a:srgbClr val="2C3E50"/>
+                </a:solidFill>
+              </a:rPr>
+              <a:t>IO</a:t>
+            </a:r>
+            <a:r>
+              <a:rPr lang="en-US" altLang="zh-CN" sz="2000" b="1">
+                <a:solidFill>
+                  <a:srgbClr val="2C3E50"/>
+                </a:solidFill>
+              </a:rPr>
+              <a:t>PIC</a:t>
+            </a:r>
+            <a:endParaRPr lang="en-US" altLang="zh-CN" sz="2000" b="1">
+              <a:solidFill>
+                <a:srgbClr val="2C3E50"/>
+              </a:solidFill>
+            </a:endParaRPr>
+          </a:p>
+        </p:txBody>
+      </p:sp>
+      <p:sp>
+        <p:nvSpPr>
+          <p:cNvPr id="17" name="文本框 16"/>
+          <p:cNvSpPr txBox="true"/>
+          <p:nvPr/>
+        </p:nvSpPr>
+        <p:spPr>
+          <a:xfrm>
+            <a:off x="659765" y="1202055"/>
+            <a:ext cx="535940" cy="368300"/>
+          </a:xfrm>
+          <a:prstGeom prst="rect">
+            <a:avLst/>
+          </a:prstGeom>
+          <a:noFill/>
+        </p:spPr>
+        <p:txBody>
+          <a:bodyPr wrap="none" rtlCol="0">
+            <a:spAutoFit/>
+          </a:bodyPr>
+          <a:p>
+            <a:r>
+              <a:rPr lang="en-US" altLang="zh-CN" b="1">
+                <a:solidFill>
+                  <a:srgbClr val="2C3E50"/>
+                </a:solidFill>
+              </a:rPr>
+              <a:t>UP</a:t>
+            </a:r>
+            <a:endParaRPr lang="en-US" altLang="zh-CN" b="1">
+              <a:solidFill>
+                <a:srgbClr val="2C3E50"/>
+              </a:solidFill>
+            </a:endParaRPr>
+          </a:p>
+        </p:txBody>
+      </p:sp>
+      <p:sp>
+        <p:nvSpPr>
+          <p:cNvPr id="18" name="文本框 17"/>
+          <p:cNvSpPr txBox="true"/>
+          <p:nvPr/>
+        </p:nvSpPr>
+        <p:spPr>
+          <a:xfrm>
+            <a:off x="538480" y="4146550"/>
+            <a:ext cx="742315" cy="368300"/>
+          </a:xfrm>
+          <a:prstGeom prst="rect">
+            <a:avLst/>
+          </a:prstGeom>
+          <a:noFill/>
+        </p:spPr>
+        <p:txBody>
+          <a:bodyPr wrap="none" rtlCol="0">
+            <a:spAutoFit/>
+          </a:bodyPr>
+          <a:p>
+            <a:r>
+              <a:rPr lang="en-US" altLang="en-US" b="1">
+                <a:solidFill>
+                  <a:srgbClr val="2C3E50"/>
+                </a:solidFill>
+              </a:rPr>
+              <a:t>SM</a:t>
+            </a:r>
+            <a:r>
+              <a:rPr lang="en-US" altLang="zh-CN" b="1">
+                <a:solidFill>
+                  <a:srgbClr val="2C3E50"/>
+                </a:solidFill>
+              </a:rPr>
+              <a:t>P</a:t>
+            </a:r>
+            <a:endParaRPr lang="en-US" altLang="zh-CN" b="1">
+              <a:solidFill>
+                <a:srgbClr val="2C3E50"/>
+              </a:solidFill>
+            </a:endParaRPr>
+          </a:p>
+        </p:txBody>
+      </p:sp>
+      <p:cxnSp>
+        <p:nvCxnSpPr>
+          <p:cNvPr id="19" name="直接箭头连接符 18"/>
+          <p:cNvCxnSpPr>
+            <a:stCxn id="7" idx="0"/>
+            <a:endCxn id="5" idx="2"/>
+          </p:cNvCxnSpPr>
+          <p:nvPr/>
+        </p:nvCxnSpPr>
+        <p:spPr>
+          <a:xfrm flipV="true">
+            <a:off x="3314065" y="1942465"/>
+            <a:ext cx="0" cy="640080"/>
+          </a:xfrm>
+          <a:prstGeom prst="straightConnector1">
+            <a:avLst/>
+          </a:prstGeom>
+          <a:ln w="38100">
+            <a:solidFill>
+              <a:srgbClr val="3EAF7C"/>
+            </a:solidFill>
+            <a:tailEnd type="arrow"/>
+          </a:ln>
+        </p:spPr>
+        <p:style>
+          <a:lnRef idx="1">
+            <a:schemeClr val="accent1"/>
+          </a:lnRef>
+          <a:fillRef idx="0">
+            <a:schemeClr val="accent1"/>
+          </a:fillRef>
+          <a:effectRef idx="0">
+            <a:schemeClr val="accent1"/>
+          </a:effectRef>
+          <a:fontRef idx="minor">
+            <a:schemeClr val="tx1"/>
+          </a:fontRef>
+        </p:style>
+      </p:cxnSp>
+      <p:cxnSp>
+        <p:nvCxnSpPr>
+          <p:cNvPr id="20" name="直接箭头连接符 19"/>
+          <p:cNvCxnSpPr>
+            <a:stCxn id="11" idx="0"/>
+            <a:endCxn id="6" idx="2"/>
+          </p:cNvCxnSpPr>
+          <p:nvPr/>
+        </p:nvCxnSpPr>
+        <p:spPr>
+          <a:xfrm flipV="true">
+            <a:off x="1773555" y="5612130"/>
+            <a:ext cx="0" cy="1187450"/>
+          </a:xfrm>
+          <a:prstGeom prst="straightConnector1">
+            <a:avLst/>
+          </a:prstGeom>
+          <a:ln w="38100">
+            <a:solidFill>
+              <a:srgbClr val="3EAF7C"/>
+            </a:solidFill>
+            <a:tailEnd type="arrow"/>
+          </a:ln>
+        </p:spPr>
+        <p:style>
+          <a:lnRef idx="1">
+            <a:schemeClr val="accent1"/>
+          </a:lnRef>
+          <a:fillRef idx="0">
+            <a:schemeClr val="accent1"/>
+          </a:fillRef>
+          <a:effectRef idx="0">
+            <a:schemeClr val="accent1"/>
+          </a:effectRef>
+          <a:fontRef idx="minor">
+            <a:schemeClr val="tx1"/>
+          </a:fontRef>
+        </p:style>
+      </p:cxnSp>
+      <p:cxnSp>
+        <p:nvCxnSpPr>
+          <p:cNvPr id="21" name="直接箭头连接符 20"/>
+          <p:cNvCxnSpPr>
+            <a:stCxn id="14" idx="0"/>
+            <a:endCxn id="9" idx="2"/>
+          </p:cNvCxnSpPr>
+          <p:nvPr/>
+        </p:nvCxnSpPr>
+        <p:spPr>
+          <a:xfrm flipV="true">
+            <a:off x="4845050" y="5612130"/>
+            <a:ext cx="635" cy="1187450"/>
+          </a:xfrm>
+          <a:prstGeom prst="straightConnector1">
+            <a:avLst/>
+          </a:prstGeom>
+          <a:ln w="38100">
+            <a:solidFill>
+              <a:srgbClr val="3EAF7C"/>
+            </a:solidFill>
+            <a:tailEnd type="arrow"/>
+          </a:ln>
+        </p:spPr>
+        <p:style>
+          <a:lnRef idx="1">
+            <a:schemeClr val="accent1"/>
+          </a:lnRef>
+          <a:fillRef idx="0">
+            <a:schemeClr val="accent1"/>
+          </a:fillRef>
+          <a:effectRef idx="0">
+            <a:schemeClr val="accent1"/>
+          </a:effectRef>
+          <a:fontRef idx="minor">
+            <a:schemeClr val="tx1"/>
+          </a:fontRef>
+        </p:style>
+      </p:cxnSp>
+      <p:cxnSp>
+        <p:nvCxnSpPr>
+          <p:cNvPr id="22" name="直接箭头连接符 21"/>
+          <p:cNvCxnSpPr>
+            <a:endCxn id="11" idx="2"/>
+          </p:cNvCxnSpPr>
+          <p:nvPr/>
+        </p:nvCxnSpPr>
+        <p:spPr>
+          <a:xfrm flipH="true" flipV="true">
+            <a:off x="1773555" y="7413625"/>
+            <a:ext cx="1905" cy="259080"/>
+          </a:xfrm>
+          <a:prstGeom prst="straightConnector1">
+            <a:avLst/>
+          </a:prstGeom>
+          <a:ln w="38100">
+            <a:solidFill>
+              <a:srgbClr val="3EAF7C"/>
+            </a:solidFill>
+            <a:tailEnd type="arrow"/>
+          </a:ln>
+        </p:spPr>
+        <p:style>
+          <a:lnRef idx="1">
+            <a:schemeClr val="accent1"/>
+          </a:lnRef>
+          <a:fillRef idx="0">
+            <a:schemeClr val="accent1"/>
+          </a:fillRef>
+          <a:effectRef idx="0">
+            <a:schemeClr val="accent1"/>
+          </a:effectRef>
+          <a:fontRef idx="minor">
+            <a:schemeClr val="tx1"/>
+          </a:fontRef>
+        </p:style>
+      </p:cxnSp>
+      <p:cxnSp>
+        <p:nvCxnSpPr>
+          <p:cNvPr id="23" name="直接箭头连接符 22"/>
+          <p:cNvCxnSpPr>
+            <a:endCxn id="14" idx="2"/>
+          </p:cNvCxnSpPr>
+          <p:nvPr/>
+        </p:nvCxnSpPr>
+        <p:spPr>
+          <a:xfrm flipV="true">
+            <a:off x="4838065" y="7413625"/>
+            <a:ext cx="6985" cy="250825"/>
+          </a:xfrm>
+          <a:prstGeom prst="straightConnector1">
+            <a:avLst/>
+          </a:prstGeom>
+          <a:ln w="38100">
+            <a:solidFill>
+              <a:srgbClr val="3EAF7C"/>
+            </a:solidFill>
+            <a:tailEnd type="arrow"/>
+          </a:ln>
+        </p:spPr>
+        <p:style>
+          <a:lnRef idx="1">
+            <a:schemeClr val="accent1"/>
+          </a:lnRef>
+          <a:fillRef idx="0">
+            <a:schemeClr val="accent1"/>
+          </a:fillRef>
+          <a:effectRef idx="0">
+            <a:schemeClr val="accent1"/>
+          </a:effectRef>
+          <a:fontRef idx="minor">
+            <a:schemeClr val="tx1"/>
+          </a:fontRef>
+        </p:style>
+      </p:cxnSp>
+      <p:cxnSp>
+        <p:nvCxnSpPr>
+          <p:cNvPr id="24" name="直接箭头连接符 23"/>
+          <p:cNvCxnSpPr>
+            <a:stCxn id="16" idx="0"/>
+            <a:endCxn id="15" idx="2"/>
+          </p:cNvCxnSpPr>
+          <p:nvPr/>
+        </p:nvCxnSpPr>
+        <p:spPr>
+          <a:xfrm flipH="true" flipV="true">
+            <a:off x="3323590" y="7974965"/>
+            <a:ext cx="13335" cy="213360"/>
+          </a:xfrm>
+          <a:prstGeom prst="straightConnector1">
+            <a:avLst/>
+          </a:prstGeom>
+          <a:ln w="38100">
+            <a:solidFill>
+              <a:srgbClr val="3EAF7C"/>
+            </a:solidFill>
+            <a:tailEnd type="arrow"/>
+          </a:ln>
+        </p:spPr>
+        <p:style>
+          <a:lnRef idx="1">
+            <a:schemeClr val="accent1"/>
+          </a:lnRef>
+          <a:fillRef idx="0">
+            <a:schemeClr val="accent1"/>
+          </a:fillRef>
+          <a:effectRef idx="0">
+            <a:schemeClr val="accent1"/>
+          </a:effectRef>
+          <a:fontRef idx="minor">
+            <a:schemeClr val="tx1"/>
+          </a:fontRef>
+        </p:style>
+      </p:cxnSp>
+      <p:cxnSp>
+        <p:nvCxnSpPr>
+          <p:cNvPr id="25" name="直接连接符 24"/>
+          <p:cNvCxnSpPr/>
+          <p:nvPr/>
+        </p:nvCxnSpPr>
+        <p:spPr>
+          <a:xfrm flipV="true">
+            <a:off x="445770" y="3861435"/>
+            <a:ext cx="6251575" cy="8255"/>
+          </a:xfrm>
+          <a:prstGeom prst="line">
+            <a:avLst/>
+          </a:prstGeom>
+          <a:ln w="38100">
+            <a:solidFill>
+              <a:srgbClr val="2C3E50"/>
+            </a:solidFill>
+            <a:prstDash val="sysDot"/>
+          </a:ln>
+        </p:spPr>
+        <p:style>
+          <a:lnRef idx="1">
+            <a:schemeClr val="accent1"/>
+          </a:lnRef>
+          <a:fillRef idx="0">
+            <a:schemeClr val="accent1"/>
+          </a:fillRef>
+          <a:effectRef idx="0">
+            <a:schemeClr val="accent1"/>
+          </a:effectRef>
+          <a:fontRef idx="minor">
+            <a:schemeClr val="tx1"/>
+          </a:fontRef>
+        </p:style>
+      </p:cxnSp>
     </p:spTree>
   </p:cSld>
   <p:clrMapOvr>
@@ -22186,6 +25222,24 @@
         <p:nvPr/>
       </p:nvGrpSpPr>
       <p:grpSpPr/>
+    </p:spTree>
+  </p:cSld>
+  <p:clrMapOvr>
+    <a:masterClrMapping/>
+  </p:clrMapOvr>
+</p:sld>
+</file>
+
+<file path=ppt/slides/slide8.xml><?xml version="1.0" encoding="utf-8"?>
+<p:sld xmlns:a="http://schemas.openxmlformats.org/drawingml/2006/main" xmlns:r="http://schemas.openxmlformats.org/officeDocument/2006/relationships" xmlns:p="http://schemas.openxmlformats.org/presentationml/2006/main">
+  <p:cSld>
+    <p:spTree>
+      <p:nvGrpSpPr>
+        <p:cNvPr id="1" name=""/>
+        <p:cNvGrpSpPr/>
+        <p:nvPr/>
+      </p:nvGrpSpPr>
+      <p:grpSpPr/>
       <p:sp>
         <p:nvSpPr>
           <p:cNvPr id="4" name="文本框 3"/>
@@ -22231,7 +25285,7 @@
 </p:sld>
 </file>
 
-<file path=ppt/slides/slide8.xml><?xml version="1.0" encoding="utf-8"?>
+<file path=ppt/slides/slide9.xml><?xml version="1.0" encoding="utf-8"?>
 <p:sld xmlns:a="http://schemas.openxmlformats.org/drawingml/2006/main" xmlns:r="http://schemas.openxmlformats.org/officeDocument/2006/relationships" xmlns:p="http://schemas.openxmlformats.org/presentationml/2006/main">
   <p:cSld>
     <p:spTree>
@@ -23066,1343 +26120,6 @@
           </a:fontRef>
         </p:style>
       </p:cxnSp>
-    </p:spTree>
-  </p:cSld>
-  <p:clrMapOvr>
-    <a:masterClrMapping/>
-  </p:clrMapOvr>
-</p:sld>
-</file>
-
-<file path=ppt/slides/slide9.xml><?xml version="1.0" encoding="utf-8"?>
-<p:sld xmlns:a="http://schemas.openxmlformats.org/drawingml/2006/main" xmlns:r="http://schemas.openxmlformats.org/officeDocument/2006/relationships" xmlns:p="http://schemas.openxmlformats.org/presentationml/2006/main">
-  <p:cSld>
-    <p:spTree>
-      <p:nvGrpSpPr>
-        <p:cNvPr id="1" name=""/>
-        <p:cNvGrpSpPr/>
-        <p:nvPr/>
-      </p:nvGrpSpPr>
-      <p:grpSpPr/>
-      <p:sp>
-        <p:nvSpPr>
-          <p:cNvPr id="2" name="矩形 1"/>
-          <p:cNvSpPr/>
-          <p:nvPr/>
-        </p:nvSpPr>
-        <p:spPr>
-          <a:xfrm>
-            <a:off x="3694430" y="1972310"/>
-            <a:ext cx="2496820" cy="897890"/>
-          </a:xfrm>
-          <a:prstGeom prst="rect">
-            <a:avLst/>
-          </a:prstGeom>
-          <a:noFill/>
-          <a:ln w="38100">
-            <a:solidFill>
-              <a:srgbClr val="2C3E50"/>
-            </a:solidFill>
-          </a:ln>
-          <a:extLst>
-            <a:ext uri="{909E8E84-426E-40DD-AFC4-6F175D3DCCD1}">
-              <a14:hiddenFill xmlns:a14="http://schemas.microsoft.com/office/drawing/2010/main">
-                <a:solidFill>
-                  <a:schemeClr val="accent1"/>
-                </a:solidFill>
-              </a14:hiddenFill>
-            </a:ext>
-          </a:extLst>
-        </p:spPr>
-        <p:style>
-          <a:lnRef idx="2">
-            <a:schemeClr val="accent1">
-              <a:shade val="50000"/>
-            </a:schemeClr>
-          </a:lnRef>
-          <a:fillRef idx="1">
-            <a:schemeClr val="accent1"/>
-          </a:fillRef>
-          <a:effectRef idx="0">
-            <a:schemeClr val="accent1"/>
-          </a:effectRef>
-          <a:fontRef idx="minor">
-            <a:schemeClr val="lt1"/>
-          </a:fontRef>
-        </p:style>
-        <p:txBody>
-          <a:bodyPr rtlCol="0" anchor="ctr"/>
-          <a:p>
-            <a:pPr algn="ctr"/>
-            <a:r>
-              <a:rPr lang="en-US" altLang="zh-CN" b="1">
-                <a:solidFill>
-                  <a:srgbClr val="2C3E50"/>
-                </a:solidFill>
-              </a:rPr>
-              <a:t>ASL(ACPI Source Langauge</a:t>
-            </a:r>
-            <a:endParaRPr lang="en-US" altLang="zh-CN" b="1">
-              <a:solidFill>
-                <a:srgbClr val="2C3E50"/>
-              </a:solidFill>
-            </a:endParaRPr>
-          </a:p>
-        </p:txBody>
-      </p:sp>
-      <p:sp>
-        <p:nvSpPr>
-          <p:cNvPr id="3" name="矩形 2"/>
-          <p:cNvSpPr/>
-          <p:nvPr/>
-        </p:nvSpPr>
-        <p:spPr>
-          <a:xfrm>
-            <a:off x="3694430" y="3776345"/>
-            <a:ext cx="2496185" cy="552450"/>
-          </a:xfrm>
-          <a:prstGeom prst="rect">
-            <a:avLst/>
-          </a:prstGeom>
-          <a:noFill/>
-          <a:ln w="38100">
-            <a:solidFill>
-              <a:srgbClr val="2C3E50"/>
-            </a:solidFill>
-          </a:ln>
-          <a:extLst>
-            <a:ext uri="{909E8E84-426E-40DD-AFC4-6F175D3DCCD1}">
-              <a14:hiddenFill xmlns:a14="http://schemas.microsoft.com/office/drawing/2010/main">
-                <a:solidFill>
-                  <a:schemeClr val="accent1"/>
-                </a:solidFill>
-              </a14:hiddenFill>
-            </a:ext>
-          </a:extLst>
-        </p:spPr>
-        <p:style>
-          <a:lnRef idx="2">
-            <a:schemeClr val="accent1">
-              <a:shade val="50000"/>
-            </a:schemeClr>
-          </a:lnRef>
-          <a:fillRef idx="1">
-            <a:schemeClr val="accent1"/>
-          </a:fillRef>
-          <a:effectRef idx="0">
-            <a:schemeClr val="accent1"/>
-          </a:effectRef>
-          <a:fontRef idx="minor">
-            <a:schemeClr val="lt1"/>
-          </a:fontRef>
-        </p:style>
-        <p:txBody>
-          <a:bodyPr rtlCol="0" anchor="ctr"/>
-          <a:p>
-            <a:pPr algn="ctr"/>
-            <a:r>
-              <a:rPr lang="en-US" altLang="zh-CN" b="1">
-                <a:solidFill>
-                  <a:srgbClr val="2C3E50"/>
-                </a:solidFill>
-              </a:rPr>
-              <a:t>ASL compiler</a:t>
-            </a:r>
-            <a:endParaRPr lang="en-US" altLang="zh-CN" b="1">
-              <a:solidFill>
-                <a:srgbClr val="2C3E50"/>
-              </a:solidFill>
-            </a:endParaRPr>
-          </a:p>
-        </p:txBody>
-      </p:sp>
-      <p:sp>
-        <p:nvSpPr>
-          <p:cNvPr id="4" name="矩形 3"/>
-          <p:cNvSpPr/>
-          <p:nvPr/>
-        </p:nvSpPr>
-        <p:spPr>
-          <a:xfrm>
-            <a:off x="3688715" y="5201285"/>
-            <a:ext cx="2496820" cy="1122045"/>
-          </a:xfrm>
-          <a:prstGeom prst="rect">
-            <a:avLst/>
-          </a:prstGeom>
-          <a:noFill/>
-          <a:ln w="38100">
-            <a:solidFill>
-              <a:srgbClr val="2C3E50"/>
-            </a:solidFill>
-          </a:ln>
-          <a:extLst>
-            <a:ext uri="{909E8E84-426E-40DD-AFC4-6F175D3DCCD1}">
-              <a14:hiddenFill xmlns:a14="http://schemas.microsoft.com/office/drawing/2010/main">
-                <a:solidFill>
-                  <a:schemeClr val="accent1"/>
-                </a:solidFill>
-              </a14:hiddenFill>
-            </a:ext>
-          </a:extLst>
-        </p:spPr>
-        <p:style>
-          <a:lnRef idx="2">
-            <a:schemeClr val="accent1">
-              <a:shade val="50000"/>
-            </a:schemeClr>
-          </a:lnRef>
-          <a:fillRef idx="1">
-            <a:schemeClr val="accent1"/>
-          </a:fillRef>
-          <a:effectRef idx="0">
-            <a:schemeClr val="accent1"/>
-          </a:effectRef>
-          <a:fontRef idx="minor">
-            <a:schemeClr val="lt1"/>
-          </a:fontRef>
-        </p:style>
-        <p:txBody>
-          <a:bodyPr rtlCol="0" anchor="ctr"/>
-          <a:p>
-            <a:pPr algn="ctr"/>
-            <a:r>
-              <a:rPr lang="en-US" altLang="zh-CN" b="1">
-                <a:solidFill>
-                  <a:srgbClr val="2C3E50"/>
-                </a:solidFill>
-              </a:rPr>
-              <a:t>A</a:t>
-            </a:r>
-            <a:r>
-              <a:rPr lang="en-US" altLang="en-US" b="1">
-                <a:solidFill>
-                  <a:srgbClr val="2C3E50"/>
-                </a:solidFill>
-              </a:rPr>
-              <a:t>ML(ACPI Machine Language)</a:t>
-            </a:r>
-            <a:endParaRPr lang="en-US" altLang="en-US" b="1">
-              <a:solidFill>
-                <a:srgbClr val="2C3E50"/>
-              </a:solidFill>
-            </a:endParaRPr>
-          </a:p>
-          <a:p>
-            <a:pPr algn="ctr"/>
-            <a:r>
-              <a:rPr lang="en-US" altLang="en-US" b="1">
-                <a:solidFill>
-                  <a:srgbClr val="3EAF7C"/>
-                </a:solidFill>
-              </a:rPr>
-              <a:t>byte code </a:t>
-            </a:r>
-            <a:endParaRPr lang="en-US" altLang="en-US" b="1">
-              <a:solidFill>
-                <a:srgbClr val="3EAF7C"/>
-              </a:solidFill>
-            </a:endParaRPr>
-          </a:p>
-        </p:txBody>
-      </p:sp>
-      <p:sp>
-        <p:nvSpPr>
-          <p:cNvPr id="5" name="矩形 4"/>
-          <p:cNvSpPr/>
-          <p:nvPr/>
-        </p:nvSpPr>
-        <p:spPr>
-          <a:xfrm>
-            <a:off x="300990" y="5290185"/>
-            <a:ext cx="2709545" cy="1033780"/>
-          </a:xfrm>
-          <a:prstGeom prst="rect">
-            <a:avLst/>
-          </a:prstGeom>
-          <a:noFill/>
-          <a:ln w="38100">
-            <a:solidFill>
-              <a:srgbClr val="2C3E50"/>
-            </a:solidFill>
-          </a:ln>
-          <a:extLst>
-            <a:ext uri="{909E8E84-426E-40DD-AFC4-6F175D3DCCD1}">
-              <a14:hiddenFill xmlns:a14="http://schemas.microsoft.com/office/drawing/2010/main">
-                <a:solidFill>
-                  <a:schemeClr val="accent1"/>
-                </a:solidFill>
-              </a14:hiddenFill>
-            </a:ext>
-          </a:extLst>
-        </p:spPr>
-        <p:style>
-          <a:lnRef idx="2">
-            <a:schemeClr val="accent1">
-              <a:shade val="50000"/>
-            </a:schemeClr>
-          </a:lnRef>
-          <a:fillRef idx="1">
-            <a:schemeClr val="accent1"/>
-          </a:fillRef>
-          <a:effectRef idx="0">
-            <a:schemeClr val="accent1"/>
-          </a:effectRef>
-          <a:fontRef idx="minor">
-            <a:schemeClr val="lt1"/>
-          </a:fontRef>
-        </p:style>
-        <p:txBody>
-          <a:bodyPr rtlCol="0" anchor="ctr"/>
-          <a:p>
-            <a:pPr algn="ctr"/>
-            <a:r>
-              <a:rPr lang="en-US" altLang="zh-CN" b="1">
-                <a:solidFill>
-                  <a:srgbClr val="2C3E50"/>
-                </a:solidFill>
-              </a:rPr>
-              <a:t>A</a:t>
-            </a:r>
-            <a:r>
-              <a:rPr lang="en-US" altLang="en-US" b="1">
-                <a:solidFill>
-                  <a:srgbClr val="2C3E50"/>
-                </a:solidFill>
-              </a:rPr>
-              <a:t>ML interpreter</a:t>
-            </a:r>
-            <a:endParaRPr lang="en-US" altLang="en-US" b="1">
-              <a:solidFill>
-                <a:srgbClr val="2C3E50"/>
-              </a:solidFill>
-            </a:endParaRPr>
-          </a:p>
-        </p:txBody>
-      </p:sp>
-      <p:cxnSp>
-        <p:nvCxnSpPr>
-          <p:cNvPr id="7" name="直接箭头连接符 6"/>
-          <p:cNvCxnSpPr>
-            <a:endCxn id="3" idx="0"/>
-          </p:cNvCxnSpPr>
-          <p:nvPr/>
-        </p:nvCxnSpPr>
-        <p:spPr>
-          <a:xfrm>
-            <a:off x="4932680" y="2846070"/>
-            <a:ext cx="10160" cy="930275"/>
-          </a:xfrm>
-          <a:prstGeom prst="straightConnector1">
-            <a:avLst/>
-          </a:prstGeom>
-          <a:ln w="38100">
-            <a:solidFill>
-              <a:srgbClr val="3EAF7C"/>
-            </a:solidFill>
-            <a:tailEnd type="arrow"/>
-          </a:ln>
-        </p:spPr>
-        <p:style>
-          <a:lnRef idx="1">
-            <a:schemeClr val="accent1"/>
-          </a:lnRef>
-          <a:fillRef idx="0">
-            <a:schemeClr val="accent1"/>
-          </a:fillRef>
-          <a:effectRef idx="0">
-            <a:schemeClr val="accent1"/>
-          </a:effectRef>
-          <a:fontRef idx="minor">
-            <a:schemeClr val="tx1"/>
-          </a:fontRef>
-        </p:style>
-      </p:cxnSp>
-      <p:cxnSp>
-        <p:nvCxnSpPr>
-          <p:cNvPr id="8" name="直接箭头连接符 7"/>
-          <p:cNvCxnSpPr>
-            <a:stCxn id="14" idx="2"/>
-            <a:endCxn id="5" idx="0"/>
-          </p:cNvCxnSpPr>
-          <p:nvPr/>
-        </p:nvCxnSpPr>
-        <p:spPr>
-          <a:xfrm flipH="true">
-            <a:off x="1656080" y="4231005"/>
-            <a:ext cx="635" cy="1059180"/>
-          </a:xfrm>
-          <a:prstGeom prst="straightConnector1">
-            <a:avLst/>
-          </a:prstGeom>
-          <a:ln w="38100">
-            <a:solidFill>
-              <a:srgbClr val="3EAF7C"/>
-            </a:solidFill>
-            <a:tailEnd type="arrow"/>
-          </a:ln>
-        </p:spPr>
-        <p:style>
-          <a:lnRef idx="1">
-            <a:schemeClr val="accent1"/>
-          </a:lnRef>
-          <a:fillRef idx="0">
-            <a:schemeClr val="accent1"/>
-          </a:fillRef>
-          <a:effectRef idx="0">
-            <a:schemeClr val="accent1"/>
-          </a:effectRef>
-          <a:fontRef idx="minor">
-            <a:schemeClr val="tx1"/>
-          </a:fontRef>
-        </p:style>
-      </p:cxnSp>
-      <p:cxnSp>
-        <p:nvCxnSpPr>
-          <p:cNvPr id="9" name="直接箭头连接符 8"/>
-          <p:cNvCxnSpPr>
-            <a:stCxn id="6" idx="2"/>
-            <a:endCxn id="14" idx="0"/>
-          </p:cNvCxnSpPr>
-          <p:nvPr/>
-        </p:nvCxnSpPr>
-        <p:spPr>
-          <a:xfrm>
-            <a:off x="1655445" y="2846070"/>
-            <a:ext cx="1270" cy="930275"/>
-          </a:xfrm>
-          <a:prstGeom prst="straightConnector1">
-            <a:avLst/>
-          </a:prstGeom>
-          <a:ln w="38100">
-            <a:solidFill>
-              <a:srgbClr val="3EAF7C"/>
-            </a:solidFill>
-            <a:tailEnd type="arrow"/>
-          </a:ln>
-        </p:spPr>
-        <p:style>
-          <a:lnRef idx="1">
-            <a:schemeClr val="accent1"/>
-          </a:lnRef>
-          <a:fillRef idx="0">
-            <a:schemeClr val="accent1"/>
-          </a:fillRef>
-          <a:effectRef idx="0">
-            <a:schemeClr val="accent1"/>
-          </a:effectRef>
-          <a:fontRef idx="minor">
-            <a:schemeClr val="tx1"/>
-          </a:fontRef>
-        </p:style>
-      </p:cxnSp>
-      <p:sp>
-        <p:nvSpPr>
-          <p:cNvPr id="10" name="圆角矩形标注 9"/>
-          <p:cNvSpPr/>
-          <p:nvPr/>
-        </p:nvSpPr>
-        <p:spPr>
-          <a:xfrm>
-            <a:off x="5056505" y="3154045"/>
-            <a:ext cx="1134745" cy="494665"/>
-          </a:xfrm>
-          <a:prstGeom prst="wedgeRoundRectCallout">
-            <a:avLst/>
-          </a:prstGeom>
-          <a:noFill/>
-          <a:ln w="38100">
-            <a:solidFill>
-              <a:srgbClr val="2C3E50"/>
-            </a:solidFill>
-          </a:ln>
-          <a:extLst>
-            <a:ext uri="{909E8E84-426E-40DD-AFC4-6F175D3DCCD1}">
-              <a14:hiddenFill xmlns:a14="http://schemas.microsoft.com/office/drawing/2010/main">
-                <a:solidFill>
-                  <a:schemeClr val="accent2"/>
-                </a:solidFill>
-              </a14:hiddenFill>
-            </a:ext>
-          </a:extLst>
-        </p:spPr>
-        <p:style>
-          <a:lnRef idx="2">
-            <a:schemeClr val="accent1">
-              <a:shade val="50000"/>
-            </a:schemeClr>
-          </a:lnRef>
-          <a:fillRef idx="1">
-            <a:schemeClr val="accent1"/>
-          </a:fillRef>
-          <a:effectRef idx="0">
-            <a:schemeClr val="accent1"/>
-          </a:effectRef>
-          <a:fontRef idx="minor">
-            <a:schemeClr val="lt1"/>
-          </a:fontRef>
-        </p:style>
-        <p:txBody>
-          <a:bodyPr rtlCol="0" anchor="ctr"/>
-          <a:p>
-            <a:pPr algn="ctr"/>
-            <a:r>
-              <a:rPr lang="en-US" altLang="zh-CN" sz="1200" b="1">
-                <a:solidFill>
-                  <a:srgbClr val="2C3E50"/>
-                </a:solidFill>
-              </a:rPr>
-              <a:t>acpica</a:t>
-            </a:r>
-            <a:endParaRPr lang="en-US" altLang="zh-CN" sz="1200" b="1">
-              <a:solidFill>
-                <a:srgbClr val="2C3E50"/>
-              </a:solidFill>
-            </a:endParaRPr>
-          </a:p>
-          <a:p>
-            <a:pPr algn="ctr"/>
-            <a:r>
-              <a:rPr lang="zh-CN" altLang="en-US" sz="1200" b="1">
-                <a:solidFill>
-                  <a:srgbClr val="2C3E50"/>
-                </a:solidFill>
-              </a:rPr>
-              <a:t>提供</a:t>
-            </a:r>
-            <a:endParaRPr lang="zh-CN" altLang="en-US" sz="1200" b="1">
-              <a:solidFill>
-                <a:srgbClr val="2C3E50"/>
-              </a:solidFill>
-            </a:endParaRPr>
-          </a:p>
-        </p:txBody>
-      </p:sp>
-      <p:sp>
-        <p:nvSpPr>
-          <p:cNvPr id="11" name="圆角矩形标注 10"/>
-          <p:cNvSpPr/>
-          <p:nvPr/>
-        </p:nvSpPr>
-        <p:spPr>
-          <a:xfrm>
-            <a:off x="1853565" y="4748530"/>
-            <a:ext cx="1075055" cy="457200"/>
-          </a:xfrm>
-          <a:prstGeom prst="wedgeRoundRectCallout">
-            <a:avLst/>
-          </a:prstGeom>
-          <a:noFill/>
-          <a:ln w="38100">
-            <a:solidFill>
-              <a:srgbClr val="2C3E50"/>
-            </a:solidFill>
-          </a:ln>
-          <a:extLst>
-            <a:ext uri="{909E8E84-426E-40DD-AFC4-6F175D3DCCD1}">
-              <a14:hiddenFill xmlns:a14="http://schemas.microsoft.com/office/drawing/2010/main">
-                <a:solidFill>
-                  <a:schemeClr val="accent2"/>
-                </a:solidFill>
-              </a14:hiddenFill>
-            </a:ext>
-          </a:extLst>
-        </p:spPr>
-        <p:style>
-          <a:lnRef idx="2">
-            <a:schemeClr val="accent1">
-              <a:shade val="50000"/>
-            </a:schemeClr>
-          </a:lnRef>
-          <a:fillRef idx="1">
-            <a:schemeClr val="accent1"/>
-          </a:fillRef>
-          <a:effectRef idx="0">
-            <a:schemeClr val="accent1"/>
-          </a:effectRef>
-          <a:fontRef idx="minor">
-            <a:schemeClr val="lt1"/>
-          </a:fontRef>
-        </p:style>
-        <p:txBody>
-          <a:bodyPr rtlCol="0" anchor="ctr"/>
-          <a:p>
-            <a:pPr algn="ctr"/>
-            <a:r>
-              <a:rPr lang="" altLang="en-US" sz="1200" b="1">
-                <a:solidFill>
-                  <a:srgbClr val="2C3E50"/>
-                </a:solidFill>
-              </a:rPr>
-              <a:t>acpica</a:t>
-            </a:r>
-            <a:r>
-              <a:rPr lang="zh-CN" altLang="en-US" sz="1200" b="1">
-                <a:solidFill>
-                  <a:srgbClr val="2C3E50"/>
-                </a:solidFill>
-              </a:rPr>
-              <a:t>提供加入内核</a:t>
-            </a:r>
-            <a:endParaRPr lang="zh-CN" altLang="en-US" sz="1200" b="1">
-              <a:solidFill>
-                <a:srgbClr val="2C3E50"/>
-              </a:solidFill>
-            </a:endParaRPr>
-          </a:p>
-        </p:txBody>
-      </p:sp>
-      <p:sp>
-        <p:nvSpPr>
-          <p:cNvPr id="6" name="矩形 5"/>
-          <p:cNvSpPr/>
-          <p:nvPr/>
-        </p:nvSpPr>
-        <p:spPr>
-          <a:xfrm>
-            <a:off x="299720" y="1948180"/>
-            <a:ext cx="2710815" cy="897890"/>
-          </a:xfrm>
-          <a:prstGeom prst="rect">
-            <a:avLst/>
-          </a:prstGeom>
-          <a:noFill/>
-          <a:ln w="38100">
-            <a:solidFill>
-              <a:srgbClr val="2C3E50"/>
-            </a:solidFill>
-          </a:ln>
-          <a:extLst>
-            <a:ext uri="{909E8E84-426E-40DD-AFC4-6F175D3DCCD1}">
-              <a14:hiddenFill xmlns:a14="http://schemas.microsoft.com/office/drawing/2010/main">
-                <a:solidFill>
-                  <a:schemeClr val="accent1"/>
-                </a:solidFill>
-              </a14:hiddenFill>
-            </a:ext>
-          </a:extLst>
-        </p:spPr>
-        <p:style>
-          <a:lnRef idx="2">
-            <a:schemeClr val="accent1">
-              <a:shade val="50000"/>
-            </a:schemeClr>
-          </a:lnRef>
-          <a:fillRef idx="1">
-            <a:schemeClr val="accent1"/>
-          </a:fillRef>
-          <a:effectRef idx="0">
-            <a:schemeClr val="accent1"/>
-          </a:effectRef>
-          <a:fontRef idx="minor">
-            <a:schemeClr val="lt1"/>
-          </a:fontRef>
-        </p:style>
-        <p:txBody>
-          <a:bodyPr rtlCol="0" anchor="ctr"/>
-          <a:p>
-            <a:pPr algn="ctr"/>
-            <a:r>
-              <a:rPr lang="" altLang="en-US" b="1">
-                <a:solidFill>
-                  <a:srgbClr val="2C3E50"/>
-                </a:solidFill>
-              </a:rPr>
-              <a:t>kernel</a:t>
-            </a:r>
-            <a:endParaRPr lang="" altLang="en-US" b="1">
-              <a:solidFill>
-                <a:srgbClr val="2C3E50"/>
-              </a:solidFill>
-            </a:endParaRPr>
-          </a:p>
-        </p:txBody>
-      </p:sp>
-      <p:sp>
-        <p:nvSpPr>
-          <p:cNvPr id="12" name="矩形 11"/>
-          <p:cNvSpPr/>
-          <p:nvPr/>
-        </p:nvSpPr>
-        <p:spPr>
-          <a:xfrm>
-            <a:off x="300990" y="7492365"/>
-            <a:ext cx="6104890" cy="1605280"/>
-          </a:xfrm>
-          <a:prstGeom prst="rect">
-            <a:avLst/>
-          </a:prstGeom>
-          <a:noFill/>
-          <a:ln w="38100">
-            <a:solidFill>
-              <a:srgbClr val="2C3E50"/>
-            </a:solidFill>
-          </a:ln>
-          <a:extLst>
-            <a:ext uri="{909E8E84-426E-40DD-AFC4-6F175D3DCCD1}">
-              <a14:hiddenFill xmlns:a14="http://schemas.microsoft.com/office/drawing/2010/main">
-                <a:solidFill>
-                  <a:schemeClr val="accent1"/>
-                </a:solidFill>
-              </a14:hiddenFill>
-            </a:ext>
-          </a:extLst>
-        </p:spPr>
-        <p:style>
-          <a:lnRef idx="2">
-            <a:schemeClr val="accent1">
-              <a:shade val="50000"/>
-            </a:schemeClr>
-          </a:lnRef>
-          <a:fillRef idx="1">
-            <a:schemeClr val="accent1"/>
-          </a:fillRef>
-          <a:effectRef idx="0">
-            <a:schemeClr val="accent1"/>
-          </a:effectRef>
-          <a:fontRef idx="minor">
-            <a:schemeClr val="lt1"/>
-          </a:fontRef>
-        </p:style>
-        <p:txBody>
-          <a:bodyPr rtlCol="0" anchor="t" anchorCtr="false"/>
-          <a:p>
-            <a:pPr algn="l"/>
-            <a:r>
-              <a:rPr lang="" altLang="en-US" b="1">
-                <a:solidFill>
-                  <a:srgbClr val="2C3E50"/>
-                </a:solidFill>
-              </a:rPr>
-              <a:t>memory</a:t>
-            </a:r>
-            <a:endParaRPr lang="" altLang="en-US" b="1">
-              <a:solidFill>
-                <a:srgbClr val="2C3E50"/>
-              </a:solidFill>
-            </a:endParaRPr>
-          </a:p>
-        </p:txBody>
-      </p:sp>
-      <p:sp>
-        <p:nvSpPr>
-          <p:cNvPr id="13" name="矩形 12"/>
-          <p:cNvSpPr/>
-          <p:nvPr/>
-        </p:nvSpPr>
-        <p:spPr>
-          <a:xfrm>
-            <a:off x="3688715" y="8268970"/>
-            <a:ext cx="2496820" cy="474980"/>
-          </a:xfrm>
-          <a:prstGeom prst="rect">
-            <a:avLst/>
-          </a:prstGeom>
-          <a:noFill/>
-          <a:ln w="38100">
-            <a:solidFill>
-              <a:srgbClr val="2C3E50"/>
-            </a:solidFill>
-          </a:ln>
-          <a:extLst>
-            <a:ext uri="{909E8E84-426E-40DD-AFC4-6F175D3DCCD1}">
-              <a14:hiddenFill xmlns:a14="http://schemas.microsoft.com/office/drawing/2010/main">
-                <a:solidFill>
-                  <a:schemeClr val="accent1"/>
-                </a:solidFill>
-              </a14:hiddenFill>
-            </a:ext>
-          </a:extLst>
-        </p:spPr>
-        <p:style>
-          <a:lnRef idx="2">
-            <a:schemeClr val="accent1">
-              <a:shade val="50000"/>
-            </a:schemeClr>
-          </a:lnRef>
-          <a:fillRef idx="1">
-            <a:schemeClr val="accent1"/>
-          </a:fillRef>
-          <a:effectRef idx="0">
-            <a:schemeClr val="accent1"/>
-          </a:effectRef>
-          <a:fontRef idx="minor">
-            <a:schemeClr val="lt1"/>
-          </a:fontRef>
-        </p:style>
-        <p:txBody>
-          <a:bodyPr rtlCol="0" anchor="ctr"/>
-          <a:p>
-            <a:pPr algn="ctr"/>
-            <a:r>
-              <a:rPr lang="" altLang="en-US" b="1">
-                <a:solidFill>
-                  <a:srgbClr val="2C3E50"/>
-                </a:solidFill>
-              </a:rPr>
-              <a:t>aml byte code</a:t>
-            </a:r>
-            <a:endParaRPr lang="" altLang="en-US" b="1">
-              <a:solidFill>
-                <a:srgbClr val="2C3E50"/>
-              </a:solidFill>
-            </a:endParaRPr>
-          </a:p>
-        </p:txBody>
-      </p:sp>
-      <p:sp>
-        <p:nvSpPr>
-          <p:cNvPr id="14" name="矩形 13"/>
-          <p:cNvSpPr/>
-          <p:nvPr/>
-        </p:nvSpPr>
-        <p:spPr>
-          <a:xfrm>
-            <a:off x="301625" y="3776345"/>
-            <a:ext cx="2709545" cy="454660"/>
-          </a:xfrm>
-          <a:prstGeom prst="rect">
-            <a:avLst/>
-          </a:prstGeom>
-          <a:noFill/>
-          <a:ln w="38100">
-            <a:solidFill>
-              <a:srgbClr val="2C3E50"/>
-            </a:solidFill>
-          </a:ln>
-          <a:extLst>
-            <a:ext uri="{909E8E84-426E-40DD-AFC4-6F175D3DCCD1}">
-              <a14:hiddenFill xmlns:a14="http://schemas.microsoft.com/office/drawing/2010/main">
-                <a:solidFill>
-                  <a:schemeClr val="accent1"/>
-                </a:solidFill>
-              </a14:hiddenFill>
-            </a:ext>
-          </a:extLst>
-        </p:spPr>
-        <p:style>
-          <a:lnRef idx="2">
-            <a:schemeClr val="accent1">
-              <a:shade val="50000"/>
-            </a:schemeClr>
-          </a:lnRef>
-          <a:fillRef idx="1">
-            <a:schemeClr val="accent1"/>
-          </a:fillRef>
-          <a:effectRef idx="0">
-            <a:schemeClr val="accent1"/>
-          </a:effectRef>
-          <a:fontRef idx="minor">
-            <a:schemeClr val="lt1"/>
-          </a:fontRef>
-        </p:style>
-        <p:txBody>
-          <a:bodyPr rtlCol="0" anchor="ctr"/>
-          <a:p>
-            <a:pPr algn="ctr"/>
-            <a:r>
-              <a:rPr lang="" altLang="en-US" b="1">
-                <a:solidFill>
-                  <a:srgbClr val="2C3E50"/>
-                </a:solidFill>
-              </a:rPr>
-              <a:t>acpica</a:t>
-            </a:r>
-            <a:r>
-              <a:rPr lang="en-US" altLang="" b="1">
-                <a:solidFill>
-                  <a:srgbClr val="2C3E50"/>
-                </a:solidFill>
-              </a:rPr>
-              <a:t> </a:t>
-            </a:r>
-            <a:r>
-              <a:rPr lang="" altLang="en-US" b="1">
-                <a:solidFill>
-                  <a:srgbClr val="2C3E50"/>
-                </a:solidFill>
-              </a:rPr>
-              <a:t>interface</a:t>
-            </a:r>
-            <a:endParaRPr lang="" altLang="en-US" b="1">
-              <a:solidFill>
-                <a:srgbClr val="2C3E50"/>
-              </a:solidFill>
-            </a:endParaRPr>
-          </a:p>
-        </p:txBody>
-      </p:sp>
-      <p:sp>
-        <p:nvSpPr>
-          <p:cNvPr id="15" name="圆角矩形标注 14"/>
-          <p:cNvSpPr/>
-          <p:nvPr/>
-        </p:nvSpPr>
-        <p:spPr>
-          <a:xfrm>
-            <a:off x="1842135" y="3195320"/>
-            <a:ext cx="1075055" cy="457200"/>
-          </a:xfrm>
-          <a:prstGeom prst="wedgeRoundRectCallout">
-            <a:avLst/>
-          </a:prstGeom>
-          <a:noFill/>
-          <a:ln w="38100">
-            <a:solidFill>
-              <a:srgbClr val="2C3E50"/>
-            </a:solidFill>
-          </a:ln>
-          <a:extLst>
-            <a:ext uri="{909E8E84-426E-40DD-AFC4-6F175D3DCCD1}">
-              <a14:hiddenFill xmlns:a14="http://schemas.microsoft.com/office/drawing/2010/main">
-                <a:solidFill>
-                  <a:schemeClr val="accent2"/>
-                </a:solidFill>
-              </a14:hiddenFill>
-            </a:ext>
-          </a:extLst>
-        </p:spPr>
-        <p:style>
-          <a:lnRef idx="2">
-            <a:schemeClr val="accent1">
-              <a:shade val="50000"/>
-            </a:schemeClr>
-          </a:lnRef>
-          <a:fillRef idx="1">
-            <a:schemeClr val="accent1"/>
-          </a:fillRef>
-          <a:effectRef idx="0">
-            <a:schemeClr val="accent1"/>
-          </a:effectRef>
-          <a:fontRef idx="minor">
-            <a:schemeClr val="lt1"/>
-          </a:fontRef>
-        </p:style>
-        <p:txBody>
-          <a:bodyPr rtlCol="0" anchor="ctr"/>
-          <a:p>
-            <a:pPr algn="ctr"/>
-            <a:r>
-              <a:rPr lang="en-US" altLang="en-US" sz="1200" b="1">
-                <a:solidFill>
-                  <a:srgbClr val="2C3E50"/>
-                </a:solidFill>
-              </a:rPr>
-              <a:t>acpica</a:t>
-            </a:r>
-            <a:r>
-              <a:rPr lang="zh-CN" altLang="en-US" sz="1200" b="1">
-                <a:solidFill>
-                  <a:srgbClr val="2C3E50"/>
-                </a:solidFill>
-              </a:rPr>
-              <a:t>提供加入内核</a:t>
-            </a:r>
-            <a:endParaRPr lang="zh-CN" altLang="en-US" sz="1200" b="1">
-              <a:solidFill>
-                <a:srgbClr val="2C3E50"/>
-              </a:solidFill>
-            </a:endParaRPr>
-          </a:p>
-        </p:txBody>
-      </p:sp>
-      <p:cxnSp>
-        <p:nvCxnSpPr>
-          <p:cNvPr id="16" name="直接箭头连接符 15"/>
-          <p:cNvCxnSpPr>
-            <a:endCxn id="13" idx="0"/>
-          </p:cNvCxnSpPr>
-          <p:nvPr/>
-        </p:nvCxnSpPr>
-        <p:spPr>
-          <a:xfrm>
-            <a:off x="4921250" y="6746240"/>
-            <a:ext cx="15875" cy="1522730"/>
-          </a:xfrm>
-          <a:prstGeom prst="straightConnector1">
-            <a:avLst/>
-          </a:prstGeom>
-          <a:ln w="38100">
-            <a:solidFill>
-              <a:srgbClr val="3EAF7C"/>
-            </a:solidFill>
-            <a:tailEnd type="arrow"/>
-          </a:ln>
-        </p:spPr>
-        <p:style>
-          <a:lnRef idx="1">
-            <a:schemeClr val="accent1"/>
-          </a:lnRef>
-          <a:fillRef idx="0">
-            <a:schemeClr val="accent1"/>
-          </a:fillRef>
-          <a:effectRef idx="0">
-            <a:schemeClr val="accent1"/>
-          </a:effectRef>
-          <a:fontRef idx="minor">
-            <a:schemeClr val="tx1"/>
-          </a:fontRef>
-        </p:style>
-      </p:cxnSp>
-      <p:cxnSp>
-        <p:nvCxnSpPr>
-          <p:cNvPr id="17" name="直接箭头连接符 16"/>
-          <p:cNvCxnSpPr/>
-          <p:nvPr/>
-        </p:nvCxnSpPr>
-        <p:spPr>
-          <a:xfrm>
-            <a:off x="4921250" y="4333875"/>
-            <a:ext cx="16510" cy="871855"/>
-          </a:xfrm>
-          <a:prstGeom prst="straightConnector1">
-            <a:avLst/>
-          </a:prstGeom>
-          <a:ln w="38100">
-            <a:solidFill>
-              <a:srgbClr val="3EAF7C"/>
-            </a:solidFill>
-            <a:tailEnd type="arrow"/>
-          </a:ln>
-        </p:spPr>
-        <p:style>
-          <a:lnRef idx="1">
-            <a:schemeClr val="accent1"/>
-          </a:lnRef>
-          <a:fillRef idx="0">
-            <a:schemeClr val="accent1"/>
-          </a:fillRef>
-          <a:effectRef idx="0">
-            <a:schemeClr val="accent1"/>
-          </a:effectRef>
-          <a:fontRef idx="minor">
-            <a:schemeClr val="tx1"/>
-          </a:fontRef>
-        </p:style>
-      </p:cxnSp>
-      <p:sp>
-        <p:nvSpPr>
-          <p:cNvPr id="19" name="矩形 18"/>
-          <p:cNvSpPr/>
-          <p:nvPr/>
-        </p:nvSpPr>
-        <p:spPr>
-          <a:xfrm>
-            <a:off x="167005" y="1027430"/>
-            <a:ext cx="3208020" cy="6102985"/>
-          </a:xfrm>
-          <a:prstGeom prst="rect">
-            <a:avLst/>
-          </a:prstGeom>
-          <a:noFill/>
-          <a:ln w="38100">
-            <a:solidFill>
-              <a:srgbClr val="2C3E50"/>
-            </a:solidFill>
-            <a:prstDash val="dash"/>
-          </a:ln>
-          <a:extLst>
-            <a:ext uri="{909E8E84-426E-40DD-AFC4-6F175D3DCCD1}">
-              <a14:hiddenFill xmlns:a14="http://schemas.microsoft.com/office/drawing/2010/main">
-                <a:solidFill>
-                  <a:schemeClr val="accent2"/>
-                </a:solidFill>
-              </a14:hiddenFill>
-            </a:ext>
-          </a:extLst>
-        </p:spPr>
-        <p:style>
-          <a:lnRef idx="2">
-            <a:schemeClr val="accent1">
-              <a:shade val="50000"/>
-            </a:schemeClr>
-          </a:lnRef>
-          <a:fillRef idx="1">
-            <a:schemeClr val="accent1"/>
-          </a:fillRef>
-          <a:effectRef idx="0">
-            <a:schemeClr val="accent1"/>
-          </a:effectRef>
-          <a:fontRef idx="minor">
-            <a:schemeClr val="lt1"/>
-          </a:fontRef>
-        </p:style>
-        <p:txBody>
-          <a:bodyPr rtlCol="0" anchor="t" anchorCtr="false"/>
-          <a:p>
-            <a:pPr algn="l"/>
-            <a:r>
-              <a:rPr lang="" altLang="zh-CN" b="1">
-                <a:solidFill>
-                  <a:srgbClr val="2C3E50"/>
-                </a:solidFill>
-              </a:rPr>
-              <a:t>OS</a:t>
-            </a:r>
-            <a:endParaRPr lang="" altLang="zh-CN" b="1">
-              <a:solidFill>
-                <a:srgbClr val="2C3E50"/>
-              </a:solidFill>
-            </a:endParaRPr>
-          </a:p>
-        </p:txBody>
-      </p:sp>
-      <p:sp>
-        <p:nvSpPr>
-          <p:cNvPr id="20" name="矩形 19"/>
-          <p:cNvSpPr/>
-          <p:nvPr/>
-        </p:nvSpPr>
-        <p:spPr>
-          <a:xfrm>
-            <a:off x="3552825" y="1023620"/>
-            <a:ext cx="3208020" cy="6102985"/>
-          </a:xfrm>
-          <a:prstGeom prst="rect">
-            <a:avLst/>
-          </a:prstGeom>
-          <a:noFill/>
-          <a:ln w="38100">
-            <a:solidFill>
-              <a:srgbClr val="2C3E50"/>
-            </a:solidFill>
-            <a:prstDash val="dash"/>
-          </a:ln>
-          <a:extLst>
-            <a:ext uri="{909E8E84-426E-40DD-AFC4-6F175D3DCCD1}">
-              <a14:hiddenFill xmlns:a14="http://schemas.microsoft.com/office/drawing/2010/main">
-                <a:solidFill>
-                  <a:schemeClr val="accent2"/>
-                </a:solidFill>
-              </a14:hiddenFill>
-            </a:ext>
-          </a:extLst>
-        </p:spPr>
-        <p:style>
-          <a:lnRef idx="2">
-            <a:schemeClr val="accent1">
-              <a:shade val="50000"/>
-            </a:schemeClr>
-          </a:lnRef>
-          <a:fillRef idx="1">
-            <a:schemeClr val="accent1"/>
-          </a:fillRef>
-          <a:effectRef idx="0">
-            <a:schemeClr val="accent1"/>
-          </a:effectRef>
-          <a:fontRef idx="minor">
-            <a:schemeClr val="lt1"/>
-          </a:fontRef>
-        </p:style>
-        <p:txBody>
-          <a:bodyPr rtlCol="0" anchor="t" anchorCtr="false"/>
-          <a:p>
-            <a:pPr algn="l"/>
-            <a:r>
-              <a:rPr lang="" altLang="en-US" b="1">
-                <a:solidFill>
-                  <a:srgbClr val="2C3E50"/>
-                </a:solidFill>
-              </a:rPr>
-              <a:t>BI</a:t>
-            </a:r>
-            <a:r>
-              <a:rPr lang="en-US" altLang="zh-CN" b="1">
-                <a:solidFill>
-                  <a:srgbClr val="2C3E50"/>
-                </a:solidFill>
-              </a:rPr>
-              <a:t>OS</a:t>
-            </a:r>
-            <a:endParaRPr lang="en-US" altLang="zh-CN" b="1">
-              <a:solidFill>
-                <a:srgbClr val="2C3E50"/>
-              </a:solidFill>
-            </a:endParaRPr>
-          </a:p>
-        </p:txBody>
-      </p:sp>
-      <p:sp>
-        <p:nvSpPr>
-          <p:cNvPr id="21" name="矩形 20"/>
-          <p:cNvSpPr/>
-          <p:nvPr/>
-        </p:nvSpPr>
-        <p:spPr>
-          <a:xfrm>
-            <a:off x="406400" y="8245475"/>
-            <a:ext cx="2496820" cy="498475"/>
-          </a:xfrm>
-          <a:prstGeom prst="rect">
-            <a:avLst/>
-          </a:prstGeom>
-          <a:noFill/>
-          <a:ln w="38100">
-            <a:solidFill>
-              <a:srgbClr val="2C3E50"/>
-            </a:solidFill>
-          </a:ln>
-          <a:extLst>
-            <a:ext uri="{909E8E84-426E-40DD-AFC4-6F175D3DCCD1}">
-              <a14:hiddenFill xmlns:a14="http://schemas.microsoft.com/office/drawing/2010/main">
-                <a:solidFill>
-                  <a:schemeClr val="accent1"/>
-                </a:solidFill>
-              </a14:hiddenFill>
-            </a:ext>
-          </a:extLst>
-        </p:spPr>
-        <p:style>
-          <a:lnRef idx="2">
-            <a:schemeClr val="accent1">
-              <a:shade val="50000"/>
-            </a:schemeClr>
-          </a:lnRef>
-          <a:fillRef idx="1">
-            <a:schemeClr val="accent1"/>
-          </a:fillRef>
-          <a:effectRef idx="0">
-            <a:schemeClr val="accent1"/>
-          </a:effectRef>
-          <a:fontRef idx="minor">
-            <a:schemeClr val="lt1"/>
-          </a:fontRef>
-        </p:style>
-        <p:txBody>
-          <a:bodyPr rtlCol="0" anchor="ctr"/>
-          <a:p>
-            <a:pPr algn="ctr"/>
-            <a:r>
-              <a:rPr lang="en-US" altLang="en-US" b="1">
-                <a:solidFill>
-                  <a:srgbClr val="2C3E50"/>
-                </a:solidFill>
-              </a:rPr>
-              <a:t>aml byte code</a:t>
-            </a:r>
-            <a:endParaRPr lang="en-US" altLang="en-US" b="1">
-              <a:solidFill>
-                <a:srgbClr val="2C3E50"/>
-              </a:solidFill>
-            </a:endParaRPr>
-          </a:p>
-        </p:txBody>
-      </p:sp>
-      <p:cxnSp>
-        <p:nvCxnSpPr>
-          <p:cNvPr id="22" name="直接箭头连接符 21"/>
-          <p:cNvCxnSpPr>
-            <a:stCxn id="5" idx="2"/>
-            <a:endCxn id="21" idx="0"/>
-          </p:cNvCxnSpPr>
-          <p:nvPr/>
-        </p:nvCxnSpPr>
-        <p:spPr>
-          <a:xfrm flipH="true">
-            <a:off x="1654810" y="6323965"/>
-            <a:ext cx="1270" cy="1921510"/>
-          </a:xfrm>
-          <a:prstGeom prst="straightConnector1">
-            <a:avLst/>
-          </a:prstGeom>
-          <a:ln w="38100">
-            <a:solidFill>
-              <a:srgbClr val="3EAF7C"/>
-            </a:solidFill>
-            <a:tailEnd type="arrow"/>
-          </a:ln>
-        </p:spPr>
-        <p:style>
-          <a:lnRef idx="1">
-            <a:schemeClr val="accent1"/>
-          </a:lnRef>
-          <a:fillRef idx="0">
-            <a:schemeClr val="accent1"/>
-          </a:fillRef>
-          <a:effectRef idx="0">
-            <a:schemeClr val="accent1"/>
-          </a:effectRef>
-          <a:fontRef idx="minor">
-            <a:schemeClr val="tx1"/>
-          </a:fontRef>
-        </p:style>
-      </p:cxnSp>
-      <p:cxnSp>
-        <p:nvCxnSpPr>
-          <p:cNvPr id="23" name="直接箭头连接符 22"/>
-          <p:cNvCxnSpPr>
-            <a:stCxn id="13" idx="1"/>
-            <a:endCxn id="21" idx="3"/>
-          </p:cNvCxnSpPr>
-          <p:nvPr/>
-        </p:nvCxnSpPr>
-        <p:spPr>
-          <a:xfrm flipH="true" flipV="true">
-            <a:off x="2903220" y="8495030"/>
-            <a:ext cx="785495" cy="11430"/>
-          </a:xfrm>
-          <a:prstGeom prst="straightConnector1">
-            <a:avLst/>
-          </a:prstGeom>
-          <a:ln w="38100">
-            <a:solidFill>
-              <a:srgbClr val="CC3300"/>
-            </a:solidFill>
-            <a:tailEnd type="arrow"/>
-          </a:ln>
-        </p:spPr>
-        <p:style>
-          <a:lnRef idx="1">
-            <a:schemeClr val="accent1"/>
-          </a:lnRef>
-          <a:fillRef idx="0">
-            <a:schemeClr val="accent1"/>
-          </a:fillRef>
-          <a:effectRef idx="0">
-            <a:schemeClr val="accent1"/>
-          </a:effectRef>
-          <a:fontRef idx="minor">
-            <a:schemeClr val="tx1"/>
-          </a:fontRef>
-        </p:style>
-      </p:cxnSp>
-      <p:sp>
-        <p:nvSpPr>
-          <p:cNvPr id="24" name="文本框 23"/>
-          <p:cNvSpPr txBox="true"/>
-          <p:nvPr/>
-        </p:nvSpPr>
-        <p:spPr>
-          <a:xfrm>
-            <a:off x="2959735" y="8138160"/>
-            <a:ext cx="653415" cy="306705"/>
-          </a:xfrm>
-          <a:prstGeom prst="rect">
-            <a:avLst/>
-          </a:prstGeom>
-          <a:noFill/>
-        </p:spPr>
-        <p:txBody>
-          <a:bodyPr wrap="none" rtlCol="0">
-            <a:spAutoFit/>
-          </a:bodyPr>
-          <a:p>
-            <a:r>
-              <a:rPr lang="" altLang="zh-CN" sz="1400" b="1">
-                <a:solidFill>
-                  <a:srgbClr val="2C3E50"/>
-                </a:solidFill>
-              </a:rPr>
-              <a:t>copy</a:t>
-            </a:r>
-            <a:endParaRPr lang="" altLang="zh-CN" sz="1400" b="1">
-              <a:solidFill>
-                <a:srgbClr val="2C3E50"/>
-              </a:solidFill>
-            </a:endParaRPr>
-          </a:p>
-        </p:txBody>
-      </p:sp>
     </p:spTree>
   </p:cSld>
   <p:clrMapOvr>
